--- a/AdventureWorks.pptx
+++ b/AdventureWorks.pptx
@@ -10,6 +10,10 @@
     <p:sldId id="257" r:id="rId4"/>
     <p:sldId id="258" r:id="rId5"/>
     <p:sldId id="259" r:id="rId6"/>
+    <p:sldId id="260" r:id="rId7"/>
+    <p:sldId id="261" r:id="rId8"/>
+    <p:sldId id="263" r:id="rId9"/>
+    <p:sldId id="262" r:id="rId10"/>
   </p:sldIdLst>
   <p:sldSz cx="12192000" cy="6858000"/>
   <p:notesSz cx="6858000" cy="9144000"/>
@@ -258,7 +262,7 @@
           <a:p>
             <a:fld id="{626702AC-6BD8-4265-8194-254349EA603F}" type="datetimeFigureOut">
               <a:rPr kumimoji="1" lang="ja-JP" altLang="en-US" smtClean="0"/>
-              <a:t>2022/10/15</a:t>
+              <a:t>2022/11/12</a:t>
             </a:fld>
             <a:endParaRPr kumimoji="1" lang="ja-JP" altLang="en-US"/>
           </a:p>
@@ -460,7 +464,7 @@
           <a:p>
             <a:fld id="{626702AC-6BD8-4265-8194-254349EA603F}" type="datetimeFigureOut">
               <a:rPr kumimoji="1" lang="ja-JP" altLang="en-US" smtClean="0"/>
-              <a:t>2022/10/15</a:t>
+              <a:t>2022/11/12</a:t>
             </a:fld>
             <a:endParaRPr kumimoji="1" lang="ja-JP" altLang="en-US"/>
           </a:p>
@@ -672,7 +676,7 @@
           <a:p>
             <a:fld id="{626702AC-6BD8-4265-8194-254349EA603F}" type="datetimeFigureOut">
               <a:rPr kumimoji="1" lang="ja-JP" altLang="en-US" smtClean="0"/>
-              <a:t>2022/10/15</a:t>
+              <a:t>2022/11/12</a:t>
             </a:fld>
             <a:endParaRPr kumimoji="1" lang="ja-JP" altLang="en-US"/>
           </a:p>
@@ -880,7 +884,7 @@
           <a:p>
             <a:fld id="{626702AC-6BD8-4265-8194-254349EA603F}" type="datetimeFigureOut">
               <a:rPr kumimoji="1" lang="ja-JP" altLang="en-US" smtClean="0"/>
-              <a:t>2022/10/15</a:t>
+              <a:t>2022/11/12</a:t>
             </a:fld>
             <a:endParaRPr kumimoji="1" lang="ja-JP" altLang="en-US"/>
           </a:p>
@@ -1110,7 +1114,7 @@
           <a:p>
             <a:fld id="{626702AC-6BD8-4265-8194-254349EA603F}" type="datetimeFigureOut">
               <a:rPr kumimoji="1" lang="ja-JP" altLang="en-US" smtClean="0"/>
-              <a:t>2022/10/15</a:t>
+              <a:t>2022/11/12</a:t>
             </a:fld>
             <a:endParaRPr kumimoji="1" lang="ja-JP" altLang="en-US"/>
           </a:p>
@@ -1385,7 +1389,7 @@
           <a:p>
             <a:fld id="{626702AC-6BD8-4265-8194-254349EA603F}" type="datetimeFigureOut">
               <a:rPr kumimoji="1" lang="ja-JP" altLang="en-US" smtClean="0"/>
-              <a:t>2022/10/15</a:t>
+              <a:t>2022/11/12</a:t>
             </a:fld>
             <a:endParaRPr kumimoji="1" lang="ja-JP" altLang="en-US"/>
           </a:p>
@@ -1714,7 +1718,7 @@
           <a:p>
             <a:fld id="{626702AC-6BD8-4265-8194-254349EA603F}" type="datetimeFigureOut">
               <a:rPr kumimoji="1" lang="ja-JP" altLang="en-US" smtClean="0"/>
-              <a:t>2022/10/15</a:t>
+              <a:t>2022/11/12</a:t>
             </a:fld>
             <a:endParaRPr kumimoji="1" lang="ja-JP" altLang="en-US"/>
           </a:p>
@@ -2190,7 +2194,7 @@
           <a:p>
             <a:fld id="{626702AC-6BD8-4265-8194-254349EA603F}" type="datetimeFigureOut">
               <a:rPr kumimoji="1" lang="ja-JP" altLang="en-US" smtClean="0"/>
-              <a:t>2022/10/15</a:t>
+              <a:t>2022/11/12</a:t>
             </a:fld>
             <a:endParaRPr kumimoji="1" lang="ja-JP" altLang="en-US"/>
           </a:p>
@@ -2331,7 +2335,7 @@
           <a:p>
             <a:fld id="{626702AC-6BD8-4265-8194-254349EA603F}" type="datetimeFigureOut">
               <a:rPr kumimoji="1" lang="ja-JP" altLang="en-US" smtClean="0"/>
-              <a:t>2022/10/15</a:t>
+              <a:t>2022/11/12</a:t>
             </a:fld>
             <a:endParaRPr kumimoji="1" lang="ja-JP" altLang="en-US"/>
           </a:p>
@@ -2444,7 +2448,7 @@
           <a:p>
             <a:fld id="{626702AC-6BD8-4265-8194-254349EA603F}" type="datetimeFigureOut">
               <a:rPr kumimoji="1" lang="ja-JP" altLang="en-US" smtClean="0"/>
-              <a:t>2022/10/15</a:t>
+              <a:t>2022/11/12</a:t>
             </a:fld>
             <a:endParaRPr kumimoji="1" lang="ja-JP" altLang="en-US"/>
           </a:p>
@@ -2787,7 +2791,7 @@
           <a:p>
             <a:fld id="{626702AC-6BD8-4265-8194-254349EA603F}" type="datetimeFigureOut">
               <a:rPr kumimoji="1" lang="ja-JP" altLang="en-US" smtClean="0"/>
-              <a:t>2022/10/15</a:t>
+              <a:t>2022/11/12</a:t>
             </a:fld>
             <a:endParaRPr kumimoji="1" lang="ja-JP" altLang="en-US"/>
           </a:p>
@@ -3001,7 +3005,7 @@
           <a:p>
             <a:fld id="{626702AC-6BD8-4265-8194-254349EA603F}" type="datetimeFigureOut">
               <a:rPr kumimoji="1" lang="ja-JP" altLang="en-US" smtClean="0"/>
-              <a:t>2022/10/15</a:t>
+              <a:t>2022/11/12</a:t>
             </a:fld>
             <a:endParaRPr kumimoji="1" lang="ja-JP" altLang="en-US"/>
           </a:p>
@@ -3277,7 +3281,7 @@
           <a:p>
             <a:fld id="{626702AC-6BD8-4265-8194-254349EA603F}" type="datetimeFigureOut">
               <a:rPr kumimoji="1" lang="ja-JP" altLang="en-US" smtClean="0"/>
-              <a:t>2022/10/15</a:t>
+              <a:t>2022/11/12</a:t>
             </a:fld>
             <a:endParaRPr kumimoji="1" lang="ja-JP" altLang="en-US"/>
           </a:p>
@@ -3507,7 +3511,7 @@
           <a:p>
             <a:fld id="{626702AC-6BD8-4265-8194-254349EA603F}" type="datetimeFigureOut">
               <a:rPr kumimoji="1" lang="ja-JP" altLang="en-US" smtClean="0"/>
-              <a:t>2022/10/15</a:t>
+              <a:t>2022/11/12</a:t>
             </a:fld>
             <a:endParaRPr kumimoji="1" lang="ja-JP" altLang="en-US"/>
           </a:p>
@@ -3747,7 +3751,7 @@
           <a:p>
             <a:fld id="{626702AC-6BD8-4265-8194-254349EA603F}" type="datetimeFigureOut">
               <a:rPr kumimoji="1" lang="ja-JP" altLang="en-US" smtClean="0"/>
-              <a:t>2022/10/15</a:t>
+              <a:t>2022/11/12</a:t>
             </a:fld>
             <a:endParaRPr kumimoji="1" lang="ja-JP" altLang="en-US"/>
           </a:p>
@@ -4010,7 +4014,7 @@
           <a:p>
             <a:fld id="{626702AC-6BD8-4265-8194-254349EA603F}" type="datetimeFigureOut">
               <a:rPr kumimoji="1" lang="ja-JP" altLang="en-US" smtClean="0"/>
-              <a:t>2022/10/15</a:t>
+              <a:t>2022/11/12</a:t>
             </a:fld>
             <a:endParaRPr kumimoji="1" lang="ja-JP" altLang="en-US"/>
           </a:p>
@@ -4306,7 +4310,7 @@
           <a:p>
             <a:fld id="{626702AC-6BD8-4265-8194-254349EA603F}" type="datetimeFigureOut">
               <a:rPr kumimoji="1" lang="ja-JP" altLang="en-US" smtClean="0"/>
-              <a:t>2022/10/15</a:t>
+              <a:t>2022/11/12</a:t>
             </a:fld>
             <a:endParaRPr kumimoji="1" lang="ja-JP" altLang="en-US"/>
           </a:p>
@@ -4717,7 +4721,7 @@
           <a:p>
             <a:fld id="{626702AC-6BD8-4265-8194-254349EA603F}" type="datetimeFigureOut">
               <a:rPr kumimoji="1" lang="ja-JP" altLang="en-US" smtClean="0"/>
-              <a:t>2022/10/15</a:t>
+              <a:t>2022/11/12</a:t>
             </a:fld>
             <a:endParaRPr kumimoji="1" lang="ja-JP" altLang="en-US"/>
           </a:p>
@@ -4835,7 +4839,7 @@
           <a:p>
             <a:fld id="{626702AC-6BD8-4265-8194-254349EA603F}" type="datetimeFigureOut">
               <a:rPr kumimoji="1" lang="ja-JP" altLang="en-US" smtClean="0"/>
-              <a:t>2022/10/15</a:t>
+              <a:t>2022/11/12</a:t>
             </a:fld>
             <a:endParaRPr kumimoji="1" lang="ja-JP" altLang="en-US"/>
           </a:p>
@@ -4953,7 +4957,7 @@
           <a:p>
             <a:fld id="{626702AC-6BD8-4265-8194-254349EA603F}" type="datetimeFigureOut">
               <a:rPr kumimoji="1" lang="ja-JP" altLang="en-US" smtClean="0"/>
-              <a:t>2022/10/15</a:t>
+              <a:t>2022/11/12</a:t>
             </a:fld>
             <a:endParaRPr kumimoji="1" lang="ja-JP" altLang="en-US"/>
           </a:p>
@@ -5269,7 +5273,7 @@
           <a:p>
             <a:fld id="{626702AC-6BD8-4265-8194-254349EA603F}" type="datetimeFigureOut">
               <a:rPr kumimoji="1" lang="ja-JP" altLang="en-US" smtClean="0"/>
-              <a:t>2022/10/15</a:t>
+              <a:t>2022/11/12</a:t>
             </a:fld>
             <a:endParaRPr kumimoji="1" lang="ja-JP" altLang="en-US"/>
           </a:p>
@@ -5533,7 +5537,7 @@
           <a:p>
             <a:fld id="{626702AC-6BD8-4265-8194-254349EA603F}" type="datetimeFigureOut">
               <a:rPr kumimoji="1" lang="ja-JP" altLang="en-US" smtClean="0"/>
-              <a:t>2022/10/15</a:t>
+              <a:t>2022/11/12</a:t>
             </a:fld>
             <a:endParaRPr kumimoji="1" lang="ja-JP" altLang="en-US"/>
           </a:p>
@@ -5779,7 +5783,7 @@
           <a:p>
             <a:fld id="{626702AC-6BD8-4265-8194-254349EA603F}" type="datetimeFigureOut">
               <a:rPr kumimoji="1" lang="ja-JP" altLang="en-US" smtClean="0"/>
-              <a:t>2022/10/15</a:t>
+              <a:t>2022/11/12</a:t>
             </a:fld>
             <a:endParaRPr kumimoji="1" lang="ja-JP" altLang="en-US"/>
           </a:p>
@@ -6356,7 +6360,7 @@
           <a:p>
             <a:fld id="{626702AC-6BD8-4265-8194-254349EA603F}" type="datetimeFigureOut">
               <a:rPr kumimoji="1" lang="ja-JP" altLang="en-US" smtClean="0"/>
-              <a:t>2022/10/15</a:t>
+              <a:t>2022/11/12</a:t>
             </a:fld>
             <a:endParaRPr kumimoji="1" lang="ja-JP" altLang="en-US"/>
           </a:p>
@@ -9998,6 +10002,2148 @@
     <p:extLst>
       <p:ext uri="{BB962C8B-B14F-4D97-AF65-F5344CB8AC3E}">
         <p14:creationId xmlns:p14="http://schemas.microsoft.com/office/powerpoint/2010/main" val="1270613406"/>
+      </p:ext>
+    </p:extLst>
+  </p:cSld>
+  <p:clrMapOvr>
+    <a:masterClrMapping/>
+  </p:clrMapOvr>
+</p:sld>
+</file>
+
+<file path=ppt/slides/slide5.xml><?xml version="1.0" encoding="utf-8"?>
+<p:sld xmlns:a="http://schemas.openxmlformats.org/drawingml/2006/main" xmlns:r="http://schemas.openxmlformats.org/officeDocument/2006/relationships" xmlns:p="http://schemas.openxmlformats.org/presentationml/2006/main">
+  <p:cSld>
+    <p:spTree>
+      <p:nvGrpSpPr>
+        <p:cNvPr id="1" name=""/>
+        <p:cNvGrpSpPr/>
+        <p:nvPr/>
+      </p:nvGrpSpPr>
+      <p:grpSpPr>
+        <a:xfrm>
+          <a:off x="0" y="0"/>
+          <a:ext cx="0" cy="0"/>
+          <a:chOff x="0" y="0"/>
+          <a:chExt cx="0" cy="0"/>
+        </a:xfrm>
+      </p:grpSpPr>
+      <p:sp>
+        <p:nvSpPr>
+          <p:cNvPr id="2" name="楕円 1">
+            <a:extLst>
+              <a:ext uri="{FF2B5EF4-FFF2-40B4-BE49-F238E27FC236}">
+                <a16:creationId xmlns:a16="http://schemas.microsoft.com/office/drawing/2014/main" id="{4BD75D2F-385F-4C52-3101-8B5CC44F4514}"/>
+              </a:ext>
+            </a:extLst>
+          </p:cNvPr>
+          <p:cNvSpPr/>
+          <p:nvPr/>
+        </p:nvSpPr>
+        <p:spPr>
+          <a:xfrm>
+            <a:off x="1308410" y="460917"/>
+            <a:ext cx="4497658" cy="4185424"/>
+          </a:xfrm>
+          <a:prstGeom prst="ellipse">
+            <a:avLst/>
+          </a:prstGeom>
+          <a:noFill/>
+          <a:ln w="19050" cap="flat" cmpd="sng" algn="ctr">
+            <a:solidFill>
+              <a:schemeClr val="accent1"/>
+            </a:solidFill>
+            <a:prstDash val="solid"/>
+            <a:round/>
+            <a:headEnd type="none" w="med" len="med"/>
+            <a:tailEnd type="none" w="med" len="med"/>
+          </a:ln>
+        </p:spPr>
+        <p:style>
+          <a:lnRef idx="0">
+            <a:scrgbClr r="0" g="0" b="0"/>
+          </a:lnRef>
+          <a:fillRef idx="0">
+            <a:scrgbClr r="0" g="0" b="0"/>
+          </a:fillRef>
+          <a:effectRef idx="0">
+            <a:scrgbClr r="0" g="0" b="0"/>
+          </a:effectRef>
+          <a:fontRef idx="minor">
+            <a:schemeClr val="accent1"/>
+          </a:fontRef>
+        </p:style>
+        <p:txBody>
+          <a:bodyPr rtlCol="0" anchor="ctr"/>
+          <a:lstStyle/>
+          <a:p>
+            <a:pPr algn="ctr"/>
+            <a:endParaRPr kumimoji="1" lang="ja-JP" altLang="en-US"/>
+          </a:p>
+        </p:txBody>
+      </p:sp>
+      <p:sp>
+        <p:nvSpPr>
+          <p:cNvPr id="6" name="楕円 5">
+            <a:extLst>
+              <a:ext uri="{FF2B5EF4-FFF2-40B4-BE49-F238E27FC236}">
+                <a16:creationId xmlns:a16="http://schemas.microsoft.com/office/drawing/2014/main" id="{0C72AEC0-9A6F-A470-01A8-BDCD583565D5}"/>
+              </a:ext>
+            </a:extLst>
+          </p:cNvPr>
+          <p:cNvSpPr/>
+          <p:nvPr/>
+        </p:nvSpPr>
+        <p:spPr>
+          <a:xfrm>
+            <a:off x="3780263" y="460917"/>
+            <a:ext cx="4497658" cy="4185424"/>
+          </a:xfrm>
+          <a:prstGeom prst="ellipse">
+            <a:avLst/>
+          </a:prstGeom>
+          <a:noFill/>
+          <a:ln w="19050" cap="flat" cmpd="sng" algn="ctr">
+            <a:solidFill>
+              <a:schemeClr val="accent1"/>
+            </a:solidFill>
+            <a:prstDash val="solid"/>
+            <a:round/>
+            <a:headEnd type="none" w="med" len="med"/>
+            <a:tailEnd type="none" w="med" len="med"/>
+          </a:ln>
+        </p:spPr>
+        <p:style>
+          <a:lnRef idx="0">
+            <a:scrgbClr r="0" g="0" b="0"/>
+          </a:lnRef>
+          <a:fillRef idx="0">
+            <a:scrgbClr r="0" g="0" b="0"/>
+          </a:fillRef>
+          <a:effectRef idx="0">
+            <a:scrgbClr r="0" g="0" b="0"/>
+          </a:effectRef>
+          <a:fontRef idx="minor">
+            <a:schemeClr val="accent1"/>
+          </a:fontRef>
+        </p:style>
+        <p:txBody>
+          <a:bodyPr rtlCol="0" anchor="ctr"/>
+          <a:lstStyle/>
+          <a:p>
+            <a:pPr algn="ctr"/>
+            <a:endParaRPr kumimoji="1" lang="ja-JP" altLang="en-US"/>
+          </a:p>
+        </p:txBody>
+      </p:sp>
+      <p:sp>
+        <p:nvSpPr>
+          <p:cNvPr id="12" name="テキスト ボックス 11">
+            <a:extLst>
+              <a:ext uri="{FF2B5EF4-FFF2-40B4-BE49-F238E27FC236}">
+                <a16:creationId xmlns:a16="http://schemas.microsoft.com/office/drawing/2014/main" id="{650BFD85-283E-0D19-E86F-76E312018EB7}"/>
+              </a:ext>
+            </a:extLst>
+          </p:cNvPr>
+          <p:cNvSpPr txBox="1"/>
+          <p:nvPr/>
+        </p:nvSpPr>
+        <p:spPr>
+          <a:xfrm>
+            <a:off x="3234073" y="572429"/>
+            <a:ext cx="646331" cy="369332"/>
+          </a:xfrm>
+          <a:prstGeom prst="rect">
+            <a:avLst/>
+          </a:prstGeom>
+          <a:noFill/>
+        </p:spPr>
+        <p:txBody>
+          <a:bodyPr wrap="none" rtlCol="0">
+            <a:spAutoFit/>
+          </a:bodyPr>
+          <a:lstStyle/>
+          <a:p>
+            <a:r>
+              <a:rPr kumimoji="1" lang="ja-JP" altLang="en-US" dirty="0">
+                <a:latin typeface="M+ 1c light" panose="020B0403020204020204" pitchFamily="50" charset="-128"/>
+                <a:ea typeface="M+ 1c light" panose="020B0403020204020204" pitchFamily="50" charset="-128"/>
+                <a:cs typeface="M+ 1c light" panose="020B0403020204020204" pitchFamily="50" charset="-128"/>
+              </a:rPr>
+              <a:t>販売</a:t>
+            </a:r>
+          </a:p>
+        </p:txBody>
+      </p:sp>
+      <p:sp>
+        <p:nvSpPr>
+          <p:cNvPr id="13" name="テキスト ボックス 12">
+            <a:extLst>
+              <a:ext uri="{FF2B5EF4-FFF2-40B4-BE49-F238E27FC236}">
+                <a16:creationId xmlns:a16="http://schemas.microsoft.com/office/drawing/2014/main" id="{CA8E440B-3347-90E9-1D66-03A44DACE116}"/>
+              </a:ext>
+            </a:extLst>
+          </p:cNvPr>
+          <p:cNvSpPr txBox="1"/>
+          <p:nvPr/>
+        </p:nvSpPr>
+        <p:spPr>
+          <a:xfrm>
+            <a:off x="5772834" y="572429"/>
+            <a:ext cx="646331" cy="369332"/>
+          </a:xfrm>
+          <a:prstGeom prst="rect">
+            <a:avLst/>
+          </a:prstGeom>
+          <a:noFill/>
+        </p:spPr>
+        <p:txBody>
+          <a:bodyPr wrap="none" rtlCol="0">
+            <a:spAutoFit/>
+          </a:bodyPr>
+          <a:lstStyle/>
+          <a:p>
+            <a:r>
+              <a:rPr kumimoji="1" lang="ja-JP" altLang="en-US" dirty="0">
+                <a:latin typeface="M+ 1c light" panose="020B0403020204020204" pitchFamily="50" charset="-128"/>
+                <a:ea typeface="M+ 1c light" panose="020B0403020204020204" pitchFamily="50" charset="-128"/>
+                <a:cs typeface="M+ 1c light" panose="020B0403020204020204" pitchFamily="50" charset="-128"/>
+              </a:rPr>
+              <a:t>配送</a:t>
+            </a:r>
+          </a:p>
+        </p:txBody>
+      </p:sp>
+      <p:sp>
+        <p:nvSpPr>
+          <p:cNvPr id="14" name="正方形/長方形 13">
+            <a:extLst>
+              <a:ext uri="{FF2B5EF4-FFF2-40B4-BE49-F238E27FC236}">
+                <a16:creationId xmlns:a16="http://schemas.microsoft.com/office/drawing/2014/main" id="{7E2510A8-D036-B31B-7B45-082F887C18FF}"/>
+              </a:ext>
+            </a:extLst>
+          </p:cNvPr>
+          <p:cNvSpPr/>
+          <p:nvPr/>
+        </p:nvSpPr>
+        <p:spPr>
+          <a:xfrm>
+            <a:off x="4230029" y="2096429"/>
+            <a:ext cx="1189463" cy="825191"/>
+          </a:xfrm>
+          <a:prstGeom prst="rect">
+            <a:avLst/>
+          </a:prstGeom>
+        </p:spPr>
+        <p:style>
+          <a:lnRef idx="1">
+            <a:schemeClr val="accent1"/>
+          </a:lnRef>
+          <a:fillRef idx="2">
+            <a:schemeClr val="accent1"/>
+          </a:fillRef>
+          <a:effectRef idx="1">
+            <a:schemeClr val="accent1"/>
+          </a:effectRef>
+          <a:fontRef idx="minor">
+            <a:schemeClr val="dk1"/>
+          </a:fontRef>
+        </p:style>
+        <p:txBody>
+          <a:bodyPr rtlCol="0" anchor="ctr"/>
+          <a:lstStyle/>
+          <a:p>
+            <a:pPr algn="ctr"/>
+            <a:r>
+              <a:rPr kumimoji="1" lang="ja-JP" altLang="en-US" dirty="0">
+                <a:latin typeface="M+ 1c light" panose="020B0403020204020204" pitchFamily="50" charset="-128"/>
+                <a:ea typeface="M+ 1c light" panose="020B0403020204020204" pitchFamily="50" charset="-128"/>
+                <a:cs typeface="M+ 1c light" panose="020B0403020204020204" pitchFamily="50" charset="-128"/>
+              </a:rPr>
+              <a:t>製品</a:t>
+            </a:r>
+          </a:p>
+        </p:txBody>
+      </p:sp>
+    </p:spTree>
+    <p:extLst>
+      <p:ext uri="{BB962C8B-B14F-4D97-AF65-F5344CB8AC3E}">
+        <p14:creationId xmlns:p14="http://schemas.microsoft.com/office/powerpoint/2010/main" val="2385715487"/>
+      </p:ext>
+    </p:extLst>
+  </p:cSld>
+  <p:clrMapOvr>
+    <a:masterClrMapping/>
+  </p:clrMapOvr>
+</p:sld>
+</file>
+
+<file path=ppt/slides/slide6.xml><?xml version="1.0" encoding="utf-8"?>
+<p:sld xmlns:a="http://schemas.openxmlformats.org/drawingml/2006/main" xmlns:r="http://schemas.openxmlformats.org/officeDocument/2006/relationships" xmlns:p="http://schemas.openxmlformats.org/presentationml/2006/main">
+  <p:cSld>
+    <p:spTree>
+      <p:nvGrpSpPr>
+        <p:cNvPr id="1" name=""/>
+        <p:cNvGrpSpPr/>
+        <p:nvPr/>
+      </p:nvGrpSpPr>
+      <p:grpSpPr>
+        <a:xfrm>
+          <a:off x="0" y="0"/>
+          <a:ext cx="0" cy="0"/>
+          <a:chOff x="0" y="0"/>
+          <a:chExt cx="0" cy="0"/>
+        </a:xfrm>
+      </p:grpSpPr>
+      <p:sp>
+        <p:nvSpPr>
+          <p:cNvPr id="2" name="四角形: 角を丸くする 1">
+            <a:extLst>
+              <a:ext uri="{FF2B5EF4-FFF2-40B4-BE49-F238E27FC236}">
+                <a16:creationId xmlns:a16="http://schemas.microsoft.com/office/drawing/2014/main" id="{CC861F88-5F9C-E66A-F08A-C307C54D6BB3}"/>
+              </a:ext>
+            </a:extLst>
+          </p:cNvPr>
+          <p:cNvSpPr/>
+          <p:nvPr/>
+        </p:nvSpPr>
+        <p:spPr>
+          <a:xfrm>
+            <a:off x="3486615" y="1107688"/>
+            <a:ext cx="4497658" cy="4185424"/>
+          </a:xfrm>
+          <a:prstGeom prst="roundRect">
+            <a:avLst>
+              <a:gd name="adj" fmla="val 6543"/>
+            </a:avLst>
+          </a:prstGeom>
+          <a:noFill/>
+          <a:ln w="19050" cap="flat" cmpd="sng" algn="ctr">
+            <a:solidFill>
+              <a:schemeClr val="accent1"/>
+            </a:solidFill>
+            <a:prstDash val="solid"/>
+            <a:round/>
+            <a:headEnd type="none" w="med" len="med"/>
+            <a:tailEnd type="none" w="med" len="med"/>
+          </a:ln>
+        </p:spPr>
+        <p:style>
+          <a:lnRef idx="0">
+            <a:scrgbClr r="0" g="0" b="0"/>
+          </a:lnRef>
+          <a:fillRef idx="0">
+            <a:scrgbClr r="0" g="0" b="0"/>
+          </a:fillRef>
+          <a:effectRef idx="0">
+            <a:scrgbClr r="0" g="0" b="0"/>
+          </a:effectRef>
+          <a:fontRef idx="minor">
+            <a:schemeClr val="accent1"/>
+          </a:fontRef>
+        </p:style>
+        <p:txBody>
+          <a:bodyPr rtlCol="0" anchor="ctr"/>
+          <a:lstStyle/>
+          <a:p>
+            <a:pPr algn="ctr"/>
+            <a:endParaRPr kumimoji="1" lang="ja-JP" altLang="en-US"/>
+          </a:p>
+        </p:txBody>
+      </p:sp>
+      <p:sp>
+        <p:nvSpPr>
+          <p:cNvPr id="3" name="正方形/長方形 2">
+            <a:extLst>
+              <a:ext uri="{FF2B5EF4-FFF2-40B4-BE49-F238E27FC236}">
+                <a16:creationId xmlns:a16="http://schemas.microsoft.com/office/drawing/2014/main" id="{37D1042C-F079-9181-E77B-AD1E2605C434}"/>
+              </a:ext>
+            </a:extLst>
+          </p:cNvPr>
+          <p:cNvSpPr/>
+          <p:nvPr/>
+        </p:nvSpPr>
+        <p:spPr>
+          <a:xfrm>
+            <a:off x="4821043" y="2066692"/>
+            <a:ext cx="1189463" cy="825191"/>
+          </a:xfrm>
+          <a:prstGeom prst="rect">
+            <a:avLst/>
+          </a:prstGeom>
+        </p:spPr>
+        <p:style>
+          <a:lnRef idx="1">
+            <a:schemeClr val="accent1"/>
+          </a:lnRef>
+          <a:fillRef idx="2">
+            <a:schemeClr val="accent1"/>
+          </a:fillRef>
+          <a:effectRef idx="1">
+            <a:schemeClr val="accent1"/>
+          </a:effectRef>
+          <a:fontRef idx="minor">
+            <a:schemeClr val="dk1"/>
+          </a:fontRef>
+        </p:style>
+        <p:txBody>
+          <a:bodyPr rtlCol="0" anchor="ctr"/>
+          <a:lstStyle/>
+          <a:p>
+            <a:pPr algn="ctr"/>
+            <a:r>
+              <a:rPr kumimoji="1" lang="ja-JP" altLang="en-US" dirty="0">
+                <a:latin typeface="M+ 1c light" panose="020B0403020204020204" pitchFamily="50" charset="-128"/>
+                <a:ea typeface="M+ 1c light" panose="020B0403020204020204" pitchFamily="50" charset="-128"/>
+                <a:cs typeface="M+ 1c light" panose="020B0403020204020204" pitchFamily="50" charset="-128"/>
+              </a:rPr>
+              <a:t>製品</a:t>
+            </a:r>
+          </a:p>
+        </p:txBody>
+      </p:sp>
+      <p:sp>
+        <p:nvSpPr>
+          <p:cNvPr id="4" name="テキスト ボックス 3">
+            <a:extLst>
+              <a:ext uri="{FF2B5EF4-FFF2-40B4-BE49-F238E27FC236}">
+                <a16:creationId xmlns:a16="http://schemas.microsoft.com/office/drawing/2014/main" id="{7202339D-2A78-1607-C17C-3D5318710E73}"/>
+              </a:ext>
+            </a:extLst>
+          </p:cNvPr>
+          <p:cNvSpPr txBox="1"/>
+          <p:nvPr/>
+        </p:nvSpPr>
+        <p:spPr>
+          <a:xfrm>
+            <a:off x="4722185" y="1195556"/>
+            <a:ext cx="2026517" cy="369332"/>
+          </a:xfrm>
+          <a:prstGeom prst="rect">
+            <a:avLst/>
+          </a:prstGeom>
+          <a:noFill/>
+        </p:spPr>
+        <p:txBody>
+          <a:bodyPr wrap="none" rtlCol="0">
+            <a:spAutoFit/>
+          </a:bodyPr>
+          <a:lstStyle/>
+          <a:p>
+            <a:pPr algn="ctr"/>
+            <a:r>
+              <a:rPr kumimoji="1" lang="en-US" altLang="ja-JP" dirty="0">
+                <a:latin typeface="M+ 1c light" panose="020B0403020204020204" pitchFamily="50" charset="-128"/>
+                <a:ea typeface="M+ 1c light" panose="020B0403020204020204" pitchFamily="50" charset="-128"/>
+                <a:cs typeface="M+ 1c light" panose="020B0403020204020204" pitchFamily="50" charset="-128"/>
+              </a:rPr>
+              <a:t>Adventure</a:t>
+            </a:r>
+            <a:r>
+              <a:rPr kumimoji="1" lang="ja-JP" altLang="en-US" dirty="0">
+                <a:latin typeface="M+ 1c light" panose="020B0403020204020204" pitchFamily="50" charset="-128"/>
+                <a:ea typeface="M+ 1c light" panose="020B0403020204020204" pitchFamily="50" charset="-128"/>
+                <a:cs typeface="M+ 1c light" panose="020B0403020204020204" pitchFamily="50" charset="-128"/>
+              </a:rPr>
+              <a:t> </a:t>
+            </a:r>
+            <a:r>
+              <a:rPr kumimoji="1" lang="en-US" altLang="ja-JP" dirty="0">
+                <a:latin typeface="M+ 1c light" panose="020B0403020204020204" pitchFamily="50" charset="-128"/>
+                <a:ea typeface="M+ 1c light" panose="020B0403020204020204" pitchFamily="50" charset="-128"/>
+                <a:cs typeface="M+ 1c light" panose="020B0403020204020204" pitchFamily="50" charset="-128"/>
+              </a:rPr>
+              <a:t>Works</a:t>
+            </a:r>
+            <a:endParaRPr kumimoji="1" lang="ja-JP" altLang="en-US" dirty="0">
+              <a:latin typeface="M+ 1c light" panose="020B0403020204020204" pitchFamily="50" charset="-128"/>
+              <a:ea typeface="M+ 1c light" panose="020B0403020204020204" pitchFamily="50" charset="-128"/>
+              <a:cs typeface="M+ 1c light" panose="020B0403020204020204" pitchFamily="50" charset="-128"/>
+            </a:endParaRPr>
+          </a:p>
+        </p:txBody>
+      </p:sp>
+      <p:grpSp>
+        <p:nvGrpSpPr>
+          <p:cNvPr id="8" name="グループ化 7">
+            <a:extLst>
+              <a:ext uri="{FF2B5EF4-FFF2-40B4-BE49-F238E27FC236}">
+                <a16:creationId xmlns:a16="http://schemas.microsoft.com/office/drawing/2014/main" id="{1EFFFF01-0905-7382-7D61-4ADF7C7FDFCB}"/>
+              </a:ext>
+            </a:extLst>
+          </p:cNvPr>
+          <p:cNvGrpSpPr/>
+          <p:nvPr/>
+        </p:nvGrpSpPr>
+        <p:grpSpPr>
+          <a:xfrm>
+            <a:off x="1497230" y="1564888"/>
+            <a:ext cx="914400" cy="1283732"/>
+            <a:chOff x="1721005" y="1462668"/>
+            <a:chExt cx="914400" cy="1283732"/>
+          </a:xfrm>
+        </p:grpSpPr>
+        <p:pic>
+          <p:nvPicPr>
+            <p:cNvPr id="6" name="グラフィックス 5" descr="歯車 単色塗りつぶし">
+              <a:extLst>
+                <a:ext uri="{FF2B5EF4-FFF2-40B4-BE49-F238E27FC236}">
+                  <a16:creationId xmlns:a16="http://schemas.microsoft.com/office/drawing/2014/main" id="{06F43685-593F-D731-9A29-5CD9C4392C07}"/>
+                </a:ext>
+              </a:extLst>
+            </p:cNvPr>
+            <p:cNvPicPr>
+              <a:picLocks noChangeAspect="1"/>
+            </p:cNvPicPr>
+            <p:nvPr/>
+          </p:nvPicPr>
+          <p:blipFill>
+            <a:blip r:embed="rId2">
+              <a:extLst>
+                <a:ext uri="{28A0092B-C50C-407E-A947-70E740481C1C}">
+                  <a14:useLocalDpi xmlns:a14="http://schemas.microsoft.com/office/drawing/2010/main" val="0"/>
+                </a:ext>
+                <a:ext uri="{96DAC541-7B7A-43D3-8B79-37D633B846F1}">
+                  <asvg:svgBlip xmlns:asvg="http://schemas.microsoft.com/office/drawing/2016/SVG/main" r:embed="rId3"/>
+                </a:ext>
+              </a:extLst>
+            </a:blip>
+            <a:stretch>
+              <a:fillRect/>
+            </a:stretch>
+          </p:blipFill>
+          <p:spPr>
+            <a:xfrm>
+              <a:off x="1721005" y="1462668"/>
+              <a:ext cx="914400" cy="914400"/>
+            </a:xfrm>
+            <a:prstGeom prst="rect">
+              <a:avLst/>
+            </a:prstGeom>
+          </p:spPr>
+        </p:pic>
+        <p:sp>
+          <p:nvSpPr>
+            <p:cNvPr id="7" name="テキスト ボックス 6">
+              <a:extLst>
+                <a:ext uri="{FF2B5EF4-FFF2-40B4-BE49-F238E27FC236}">
+                  <a16:creationId xmlns:a16="http://schemas.microsoft.com/office/drawing/2014/main" id="{18602C31-C4EB-8369-43F0-7B5758675AA6}"/>
+                </a:ext>
+              </a:extLst>
+            </p:cNvPr>
+            <p:cNvSpPr txBox="1"/>
+            <p:nvPr/>
+          </p:nvSpPr>
+          <p:spPr>
+            <a:xfrm>
+              <a:off x="1855039" y="2377068"/>
+              <a:ext cx="646331" cy="369332"/>
+            </a:xfrm>
+            <a:prstGeom prst="rect">
+              <a:avLst/>
+            </a:prstGeom>
+            <a:noFill/>
+          </p:spPr>
+          <p:txBody>
+            <a:bodyPr wrap="none" rtlCol="0">
+              <a:spAutoFit/>
+            </a:bodyPr>
+            <a:lstStyle/>
+            <a:p>
+              <a:pPr algn="ctr"/>
+              <a:r>
+                <a:rPr kumimoji="1" lang="ja-JP" altLang="en-US" dirty="0">
+                  <a:latin typeface="M+ 1c light" panose="020B0403020204020204" pitchFamily="50" charset="-128"/>
+                  <a:ea typeface="M+ 1c light" panose="020B0403020204020204" pitchFamily="50" charset="-128"/>
+                  <a:cs typeface="M+ 1c light" panose="020B0403020204020204" pitchFamily="50" charset="-128"/>
+                </a:rPr>
+                <a:t>販売</a:t>
+              </a:r>
+            </a:p>
+          </p:txBody>
+        </p:sp>
+      </p:grpSp>
+      <p:grpSp>
+        <p:nvGrpSpPr>
+          <p:cNvPr id="9" name="グループ化 8">
+            <a:extLst>
+              <a:ext uri="{FF2B5EF4-FFF2-40B4-BE49-F238E27FC236}">
+                <a16:creationId xmlns:a16="http://schemas.microsoft.com/office/drawing/2014/main" id="{8B7B30DD-EF47-2ED5-2AD9-550637C6D1AF}"/>
+              </a:ext>
+            </a:extLst>
+          </p:cNvPr>
+          <p:cNvGrpSpPr/>
+          <p:nvPr/>
+        </p:nvGrpSpPr>
+        <p:grpSpPr>
+          <a:xfrm>
+            <a:off x="1497229" y="3612995"/>
+            <a:ext cx="914400" cy="1283732"/>
+            <a:chOff x="1721005" y="1462668"/>
+            <a:chExt cx="914400" cy="1283732"/>
+          </a:xfrm>
+        </p:grpSpPr>
+        <p:pic>
+          <p:nvPicPr>
+            <p:cNvPr id="10" name="グラフィックス 9" descr="歯車 単色塗りつぶし">
+              <a:extLst>
+                <a:ext uri="{FF2B5EF4-FFF2-40B4-BE49-F238E27FC236}">
+                  <a16:creationId xmlns:a16="http://schemas.microsoft.com/office/drawing/2014/main" id="{0B45117F-483F-E206-04A3-30184A966326}"/>
+                </a:ext>
+              </a:extLst>
+            </p:cNvPr>
+            <p:cNvPicPr>
+              <a:picLocks noChangeAspect="1"/>
+            </p:cNvPicPr>
+            <p:nvPr/>
+          </p:nvPicPr>
+          <p:blipFill>
+            <a:blip r:embed="rId2">
+              <a:extLst>
+                <a:ext uri="{28A0092B-C50C-407E-A947-70E740481C1C}">
+                  <a14:useLocalDpi xmlns:a14="http://schemas.microsoft.com/office/drawing/2010/main" val="0"/>
+                </a:ext>
+                <a:ext uri="{96DAC541-7B7A-43D3-8B79-37D633B846F1}">
+                  <asvg:svgBlip xmlns:asvg="http://schemas.microsoft.com/office/drawing/2016/SVG/main" r:embed="rId3"/>
+                </a:ext>
+              </a:extLst>
+            </a:blip>
+            <a:stretch>
+              <a:fillRect/>
+            </a:stretch>
+          </p:blipFill>
+          <p:spPr>
+            <a:xfrm>
+              <a:off x="1721005" y="1462668"/>
+              <a:ext cx="914400" cy="914400"/>
+            </a:xfrm>
+            <a:prstGeom prst="rect">
+              <a:avLst/>
+            </a:prstGeom>
+          </p:spPr>
+        </p:pic>
+        <p:sp>
+          <p:nvSpPr>
+            <p:cNvPr id="11" name="テキスト ボックス 10">
+              <a:extLst>
+                <a:ext uri="{FF2B5EF4-FFF2-40B4-BE49-F238E27FC236}">
+                  <a16:creationId xmlns:a16="http://schemas.microsoft.com/office/drawing/2014/main" id="{C9DCACA0-9B07-B0B1-921C-38E2BD59B189}"/>
+                </a:ext>
+              </a:extLst>
+            </p:cNvPr>
+            <p:cNvSpPr txBox="1"/>
+            <p:nvPr/>
+          </p:nvSpPr>
+          <p:spPr>
+            <a:xfrm>
+              <a:off x="1855040" y="2377068"/>
+              <a:ext cx="646331" cy="369332"/>
+            </a:xfrm>
+            <a:prstGeom prst="rect">
+              <a:avLst/>
+            </a:prstGeom>
+            <a:noFill/>
+          </p:spPr>
+          <p:txBody>
+            <a:bodyPr wrap="none" rtlCol="0">
+              <a:spAutoFit/>
+            </a:bodyPr>
+            <a:lstStyle/>
+            <a:p>
+              <a:pPr algn="ctr"/>
+              <a:r>
+                <a:rPr kumimoji="1" lang="ja-JP" altLang="en-US" dirty="0">
+                  <a:latin typeface="M+ 1c light" panose="020B0403020204020204" pitchFamily="50" charset="-128"/>
+                  <a:ea typeface="M+ 1c light" panose="020B0403020204020204" pitchFamily="50" charset="-128"/>
+                  <a:cs typeface="M+ 1c light" panose="020B0403020204020204" pitchFamily="50" charset="-128"/>
+                </a:rPr>
+                <a:t>製造</a:t>
+              </a:r>
+            </a:p>
+          </p:txBody>
+        </p:sp>
+      </p:grpSp>
+      <p:grpSp>
+        <p:nvGrpSpPr>
+          <p:cNvPr id="12" name="グループ化 11">
+            <a:extLst>
+              <a:ext uri="{FF2B5EF4-FFF2-40B4-BE49-F238E27FC236}">
+                <a16:creationId xmlns:a16="http://schemas.microsoft.com/office/drawing/2014/main" id="{7270AB18-E32E-73E3-6A7F-998145BA5A4F}"/>
+              </a:ext>
+            </a:extLst>
+          </p:cNvPr>
+          <p:cNvGrpSpPr/>
+          <p:nvPr/>
+        </p:nvGrpSpPr>
+        <p:grpSpPr>
+          <a:xfrm>
+            <a:off x="8838449" y="1380222"/>
+            <a:ext cx="914400" cy="1283732"/>
+            <a:chOff x="1721005" y="1462668"/>
+            <a:chExt cx="914400" cy="1283732"/>
+          </a:xfrm>
+        </p:grpSpPr>
+        <p:pic>
+          <p:nvPicPr>
+            <p:cNvPr id="13" name="グラフィックス 12" descr="歯車 単色塗りつぶし">
+              <a:extLst>
+                <a:ext uri="{FF2B5EF4-FFF2-40B4-BE49-F238E27FC236}">
+                  <a16:creationId xmlns:a16="http://schemas.microsoft.com/office/drawing/2014/main" id="{FE5935BF-3367-C8E9-7E66-AD5DAC6A81ED}"/>
+                </a:ext>
+              </a:extLst>
+            </p:cNvPr>
+            <p:cNvPicPr>
+              <a:picLocks noChangeAspect="1"/>
+            </p:cNvPicPr>
+            <p:nvPr/>
+          </p:nvPicPr>
+          <p:blipFill>
+            <a:blip r:embed="rId2">
+              <a:extLst>
+                <a:ext uri="{28A0092B-C50C-407E-A947-70E740481C1C}">
+                  <a14:useLocalDpi xmlns:a14="http://schemas.microsoft.com/office/drawing/2010/main" val="0"/>
+                </a:ext>
+                <a:ext uri="{96DAC541-7B7A-43D3-8B79-37D633B846F1}">
+                  <asvg:svgBlip xmlns:asvg="http://schemas.microsoft.com/office/drawing/2016/SVG/main" r:embed="rId3"/>
+                </a:ext>
+              </a:extLst>
+            </a:blip>
+            <a:stretch>
+              <a:fillRect/>
+            </a:stretch>
+          </p:blipFill>
+          <p:spPr>
+            <a:xfrm>
+              <a:off x="1721005" y="1462668"/>
+              <a:ext cx="914400" cy="914400"/>
+            </a:xfrm>
+            <a:prstGeom prst="rect">
+              <a:avLst/>
+            </a:prstGeom>
+          </p:spPr>
+        </p:pic>
+        <p:sp>
+          <p:nvSpPr>
+            <p:cNvPr id="14" name="テキスト ボックス 13">
+              <a:extLst>
+                <a:ext uri="{FF2B5EF4-FFF2-40B4-BE49-F238E27FC236}">
+                  <a16:creationId xmlns:a16="http://schemas.microsoft.com/office/drawing/2014/main" id="{6F3879FB-9197-4BF9-00AA-CB89EA736B71}"/>
+                </a:ext>
+              </a:extLst>
+            </p:cNvPr>
+            <p:cNvSpPr txBox="1"/>
+            <p:nvPr/>
+          </p:nvSpPr>
+          <p:spPr>
+            <a:xfrm>
+              <a:off x="1855039" y="2377068"/>
+              <a:ext cx="646331" cy="369332"/>
+            </a:xfrm>
+            <a:prstGeom prst="rect">
+              <a:avLst/>
+            </a:prstGeom>
+            <a:noFill/>
+          </p:spPr>
+          <p:txBody>
+            <a:bodyPr wrap="none" rtlCol="0">
+              <a:spAutoFit/>
+            </a:bodyPr>
+            <a:lstStyle/>
+            <a:p>
+              <a:pPr algn="ctr"/>
+              <a:r>
+                <a:rPr kumimoji="1" lang="ja-JP" altLang="en-US" dirty="0">
+                  <a:latin typeface="M+ 1c light" panose="020B0403020204020204" pitchFamily="50" charset="-128"/>
+                  <a:ea typeface="M+ 1c light" panose="020B0403020204020204" pitchFamily="50" charset="-128"/>
+                  <a:cs typeface="M+ 1c light" panose="020B0403020204020204" pitchFamily="50" charset="-128"/>
+                </a:rPr>
+                <a:t>配送</a:t>
+              </a:r>
+            </a:p>
+          </p:txBody>
+        </p:sp>
+      </p:grpSp>
+      <p:grpSp>
+        <p:nvGrpSpPr>
+          <p:cNvPr id="15" name="グループ化 14">
+            <a:extLst>
+              <a:ext uri="{FF2B5EF4-FFF2-40B4-BE49-F238E27FC236}">
+                <a16:creationId xmlns:a16="http://schemas.microsoft.com/office/drawing/2014/main" id="{D27D1242-32DB-EE22-73BC-6E231457DEC6}"/>
+              </a:ext>
+            </a:extLst>
+          </p:cNvPr>
+          <p:cNvGrpSpPr/>
+          <p:nvPr/>
+        </p:nvGrpSpPr>
+        <p:grpSpPr>
+          <a:xfrm>
+            <a:off x="8838448" y="3612995"/>
+            <a:ext cx="914400" cy="1283732"/>
+            <a:chOff x="1721005" y="1462668"/>
+            <a:chExt cx="914400" cy="1283732"/>
+          </a:xfrm>
+        </p:grpSpPr>
+        <p:pic>
+          <p:nvPicPr>
+            <p:cNvPr id="16" name="グラフィックス 15" descr="歯車 単色塗りつぶし">
+              <a:extLst>
+                <a:ext uri="{FF2B5EF4-FFF2-40B4-BE49-F238E27FC236}">
+                  <a16:creationId xmlns:a16="http://schemas.microsoft.com/office/drawing/2014/main" id="{0810D91C-FFBE-CA63-A54F-18F9C0296C1E}"/>
+                </a:ext>
+              </a:extLst>
+            </p:cNvPr>
+            <p:cNvPicPr>
+              <a:picLocks noChangeAspect="1"/>
+            </p:cNvPicPr>
+            <p:nvPr/>
+          </p:nvPicPr>
+          <p:blipFill>
+            <a:blip r:embed="rId2">
+              <a:extLst>
+                <a:ext uri="{28A0092B-C50C-407E-A947-70E740481C1C}">
+                  <a14:useLocalDpi xmlns:a14="http://schemas.microsoft.com/office/drawing/2010/main" val="0"/>
+                </a:ext>
+                <a:ext uri="{96DAC541-7B7A-43D3-8B79-37D633B846F1}">
+                  <asvg:svgBlip xmlns:asvg="http://schemas.microsoft.com/office/drawing/2016/SVG/main" r:embed="rId3"/>
+                </a:ext>
+              </a:extLst>
+            </a:blip>
+            <a:stretch>
+              <a:fillRect/>
+            </a:stretch>
+          </p:blipFill>
+          <p:spPr>
+            <a:xfrm>
+              <a:off x="1721005" y="1462668"/>
+              <a:ext cx="914400" cy="914400"/>
+            </a:xfrm>
+            <a:prstGeom prst="rect">
+              <a:avLst/>
+            </a:prstGeom>
+          </p:spPr>
+        </p:pic>
+        <p:sp>
+          <p:nvSpPr>
+            <p:cNvPr id="17" name="テキスト ボックス 16">
+              <a:extLst>
+                <a:ext uri="{FF2B5EF4-FFF2-40B4-BE49-F238E27FC236}">
+                  <a16:creationId xmlns:a16="http://schemas.microsoft.com/office/drawing/2014/main" id="{931F8AD2-DD71-8A1B-6A39-6B6908416D57}"/>
+                </a:ext>
+              </a:extLst>
+            </p:cNvPr>
+            <p:cNvSpPr txBox="1"/>
+            <p:nvPr/>
+          </p:nvSpPr>
+          <p:spPr>
+            <a:xfrm>
+              <a:off x="1855041" y="2377068"/>
+              <a:ext cx="646331" cy="369332"/>
+            </a:xfrm>
+            <a:prstGeom prst="rect">
+              <a:avLst/>
+            </a:prstGeom>
+            <a:noFill/>
+          </p:spPr>
+          <p:txBody>
+            <a:bodyPr wrap="none" rtlCol="0">
+              <a:spAutoFit/>
+            </a:bodyPr>
+            <a:lstStyle/>
+            <a:p>
+              <a:pPr algn="ctr"/>
+              <a:r>
+                <a:rPr kumimoji="1" lang="ja-JP" altLang="en-US" dirty="0">
+                  <a:latin typeface="M+ 1c light" panose="020B0403020204020204" pitchFamily="50" charset="-128"/>
+                  <a:ea typeface="M+ 1c light" panose="020B0403020204020204" pitchFamily="50" charset="-128"/>
+                  <a:cs typeface="M+ 1c light" panose="020B0403020204020204" pitchFamily="50" charset="-128"/>
+                </a:rPr>
+                <a:t>購買</a:t>
+              </a:r>
+            </a:p>
+          </p:txBody>
+        </p:sp>
+      </p:grpSp>
+      <p:cxnSp>
+        <p:nvCxnSpPr>
+          <p:cNvPr id="19" name="直線矢印コネクタ 18">
+            <a:extLst>
+              <a:ext uri="{FF2B5EF4-FFF2-40B4-BE49-F238E27FC236}">
+                <a16:creationId xmlns:a16="http://schemas.microsoft.com/office/drawing/2014/main" id="{0CC8639E-72A7-9625-5AB7-B8267D06ADE2}"/>
+              </a:ext>
+            </a:extLst>
+          </p:cNvPr>
+          <p:cNvCxnSpPr>
+            <a:stCxn id="6" idx="3"/>
+          </p:cNvCxnSpPr>
+          <p:nvPr/>
+        </p:nvCxnSpPr>
+        <p:spPr>
+          <a:xfrm>
+            <a:off x="2411630" y="2022088"/>
+            <a:ext cx="1074985" cy="0"/>
+          </a:xfrm>
+          <a:prstGeom prst="straightConnector1">
+            <a:avLst/>
+          </a:prstGeom>
+          <a:ln w="28575">
+            <a:tailEnd type="triangle"/>
+          </a:ln>
+        </p:spPr>
+        <p:style>
+          <a:lnRef idx="1">
+            <a:schemeClr val="accent1"/>
+          </a:lnRef>
+          <a:fillRef idx="0">
+            <a:schemeClr val="accent1"/>
+          </a:fillRef>
+          <a:effectRef idx="0">
+            <a:schemeClr val="accent1"/>
+          </a:effectRef>
+          <a:fontRef idx="minor">
+            <a:schemeClr val="tx1"/>
+          </a:fontRef>
+        </p:style>
+      </p:cxnSp>
+      <p:cxnSp>
+        <p:nvCxnSpPr>
+          <p:cNvPr id="20" name="直線矢印コネクタ 19">
+            <a:extLst>
+              <a:ext uri="{FF2B5EF4-FFF2-40B4-BE49-F238E27FC236}">
+                <a16:creationId xmlns:a16="http://schemas.microsoft.com/office/drawing/2014/main" id="{39370121-8B52-C9B6-29AE-AAA2BA93A904}"/>
+              </a:ext>
+            </a:extLst>
+          </p:cNvPr>
+          <p:cNvCxnSpPr/>
+          <p:nvPr/>
+        </p:nvCxnSpPr>
+        <p:spPr>
+          <a:xfrm>
+            <a:off x="2398245" y="4137103"/>
+            <a:ext cx="1074985" cy="0"/>
+          </a:xfrm>
+          <a:prstGeom prst="straightConnector1">
+            <a:avLst/>
+          </a:prstGeom>
+          <a:ln w="28575">
+            <a:tailEnd type="triangle"/>
+          </a:ln>
+        </p:spPr>
+        <p:style>
+          <a:lnRef idx="1">
+            <a:schemeClr val="accent1"/>
+          </a:lnRef>
+          <a:fillRef idx="0">
+            <a:schemeClr val="accent1"/>
+          </a:fillRef>
+          <a:effectRef idx="0">
+            <a:schemeClr val="accent1"/>
+          </a:effectRef>
+          <a:fontRef idx="minor">
+            <a:schemeClr val="tx1"/>
+          </a:fontRef>
+        </p:style>
+      </p:cxnSp>
+      <p:cxnSp>
+        <p:nvCxnSpPr>
+          <p:cNvPr id="21" name="直線矢印コネクタ 20">
+            <a:extLst>
+              <a:ext uri="{FF2B5EF4-FFF2-40B4-BE49-F238E27FC236}">
+                <a16:creationId xmlns:a16="http://schemas.microsoft.com/office/drawing/2014/main" id="{1CE4086B-C482-2EB0-BA28-8F590FE7E1FE}"/>
+              </a:ext>
+            </a:extLst>
+          </p:cNvPr>
+          <p:cNvCxnSpPr>
+            <a:cxnSpLocks/>
+            <a:stCxn id="13" idx="1"/>
+          </p:cNvCxnSpPr>
+          <p:nvPr/>
+        </p:nvCxnSpPr>
+        <p:spPr>
+          <a:xfrm flipH="1">
+            <a:off x="7997658" y="1837422"/>
+            <a:ext cx="840791" cy="0"/>
+          </a:xfrm>
+          <a:prstGeom prst="straightConnector1">
+            <a:avLst/>
+          </a:prstGeom>
+          <a:ln w="28575">
+            <a:tailEnd type="triangle"/>
+          </a:ln>
+        </p:spPr>
+        <p:style>
+          <a:lnRef idx="1">
+            <a:schemeClr val="accent1"/>
+          </a:lnRef>
+          <a:fillRef idx="0">
+            <a:schemeClr val="accent1"/>
+          </a:fillRef>
+          <a:effectRef idx="0">
+            <a:schemeClr val="accent1"/>
+          </a:effectRef>
+          <a:fontRef idx="minor">
+            <a:schemeClr val="tx1"/>
+          </a:fontRef>
+        </p:style>
+      </p:cxnSp>
+      <p:cxnSp>
+        <p:nvCxnSpPr>
+          <p:cNvPr id="25" name="直線矢印コネクタ 24">
+            <a:extLst>
+              <a:ext uri="{FF2B5EF4-FFF2-40B4-BE49-F238E27FC236}">
+                <a16:creationId xmlns:a16="http://schemas.microsoft.com/office/drawing/2014/main" id="{E5501F88-DA97-2315-3C44-8156ACE56B53}"/>
+              </a:ext>
+            </a:extLst>
+          </p:cNvPr>
+          <p:cNvCxnSpPr>
+            <a:cxnSpLocks/>
+          </p:cNvCxnSpPr>
+          <p:nvPr/>
+        </p:nvCxnSpPr>
+        <p:spPr>
+          <a:xfrm flipH="1">
+            <a:off x="7984273" y="4089968"/>
+            <a:ext cx="840791" cy="0"/>
+          </a:xfrm>
+          <a:prstGeom prst="straightConnector1">
+            <a:avLst/>
+          </a:prstGeom>
+          <a:ln w="28575">
+            <a:tailEnd type="triangle"/>
+          </a:ln>
+        </p:spPr>
+        <p:style>
+          <a:lnRef idx="1">
+            <a:schemeClr val="accent1"/>
+          </a:lnRef>
+          <a:fillRef idx="0">
+            <a:schemeClr val="accent1"/>
+          </a:fillRef>
+          <a:effectRef idx="0">
+            <a:schemeClr val="accent1"/>
+          </a:effectRef>
+          <a:fontRef idx="minor">
+            <a:schemeClr val="tx1"/>
+          </a:fontRef>
+        </p:style>
+      </p:cxnSp>
+      <p:sp>
+        <p:nvSpPr>
+          <p:cNvPr id="26" name="正方形/長方形 25">
+            <a:extLst>
+              <a:ext uri="{FF2B5EF4-FFF2-40B4-BE49-F238E27FC236}">
+                <a16:creationId xmlns:a16="http://schemas.microsoft.com/office/drawing/2014/main" id="{31F6292C-AE63-C236-EB51-75707340682B}"/>
+              </a:ext>
+            </a:extLst>
+          </p:cNvPr>
+          <p:cNvSpPr/>
+          <p:nvPr/>
+        </p:nvSpPr>
+        <p:spPr>
+          <a:xfrm>
+            <a:off x="4545980" y="3886870"/>
+            <a:ext cx="1189463" cy="825191"/>
+          </a:xfrm>
+          <a:prstGeom prst="rect">
+            <a:avLst/>
+          </a:prstGeom>
+        </p:spPr>
+        <p:style>
+          <a:lnRef idx="1">
+            <a:schemeClr val="accent1"/>
+          </a:lnRef>
+          <a:fillRef idx="2">
+            <a:schemeClr val="accent1"/>
+          </a:fillRef>
+          <a:effectRef idx="1">
+            <a:schemeClr val="accent1"/>
+          </a:effectRef>
+          <a:fontRef idx="minor">
+            <a:schemeClr val="dk1"/>
+          </a:fontRef>
+        </p:style>
+        <p:txBody>
+          <a:bodyPr rtlCol="0" anchor="ctr"/>
+          <a:lstStyle/>
+          <a:p>
+            <a:pPr algn="ctr"/>
+            <a:r>
+              <a:rPr kumimoji="1" lang="ja-JP" altLang="en-US" dirty="0">
+                <a:latin typeface="M+ 1c light" panose="020B0403020204020204" pitchFamily="50" charset="-128"/>
+                <a:ea typeface="M+ 1c light" panose="020B0403020204020204" pitchFamily="50" charset="-128"/>
+                <a:cs typeface="M+ 1c light" panose="020B0403020204020204" pitchFamily="50" charset="-128"/>
+              </a:rPr>
+              <a:t>・・・</a:t>
+            </a:r>
+          </a:p>
+        </p:txBody>
+      </p:sp>
+      <p:sp>
+        <p:nvSpPr>
+          <p:cNvPr id="27" name="正方形/長方形 26">
+            <a:extLst>
+              <a:ext uri="{FF2B5EF4-FFF2-40B4-BE49-F238E27FC236}">
+                <a16:creationId xmlns:a16="http://schemas.microsoft.com/office/drawing/2014/main" id="{B08AFB10-E4E6-09F2-857A-495F7B203EA8}"/>
+              </a:ext>
+            </a:extLst>
+          </p:cNvPr>
+          <p:cNvSpPr/>
+          <p:nvPr/>
+        </p:nvSpPr>
+        <p:spPr>
+          <a:xfrm>
+            <a:off x="6285196" y="3355329"/>
+            <a:ext cx="1189463" cy="825191"/>
+          </a:xfrm>
+          <a:prstGeom prst="rect">
+            <a:avLst/>
+          </a:prstGeom>
+        </p:spPr>
+        <p:style>
+          <a:lnRef idx="1">
+            <a:schemeClr val="accent1"/>
+          </a:lnRef>
+          <a:fillRef idx="2">
+            <a:schemeClr val="accent1"/>
+          </a:fillRef>
+          <a:effectRef idx="1">
+            <a:schemeClr val="accent1"/>
+          </a:effectRef>
+          <a:fontRef idx="minor">
+            <a:schemeClr val="dk1"/>
+          </a:fontRef>
+        </p:style>
+        <p:txBody>
+          <a:bodyPr rtlCol="0" anchor="ctr"/>
+          <a:lstStyle/>
+          <a:p>
+            <a:pPr algn="ctr"/>
+            <a:r>
+              <a:rPr kumimoji="1" lang="ja-JP" altLang="en-US" dirty="0">
+                <a:latin typeface="M+ 1c light" panose="020B0403020204020204" pitchFamily="50" charset="-128"/>
+                <a:ea typeface="M+ 1c light" panose="020B0403020204020204" pitchFamily="50" charset="-128"/>
+                <a:cs typeface="M+ 1c light" panose="020B0403020204020204" pitchFamily="50" charset="-128"/>
+              </a:rPr>
+              <a:t>・・・</a:t>
+            </a:r>
+          </a:p>
+        </p:txBody>
+      </p:sp>
+      <p:cxnSp>
+        <p:nvCxnSpPr>
+          <p:cNvPr id="28" name="直線矢印コネクタ 27">
+            <a:extLst>
+              <a:ext uri="{FF2B5EF4-FFF2-40B4-BE49-F238E27FC236}">
+                <a16:creationId xmlns:a16="http://schemas.microsoft.com/office/drawing/2014/main" id="{B535CA03-9A74-F49D-0C1F-E56BB428517E}"/>
+              </a:ext>
+            </a:extLst>
+          </p:cNvPr>
+          <p:cNvCxnSpPr>
+            <a:cxnSpLocks/>
+            <a:stCxn id="26" idx="0"/>
+            <a:endCxn id="3" idx="2"/>
+          </p:cNvCxnSpPr>
+          <p:nvPr/>
+        </p:nvCxnSpPr>
+        <p:spPr>
+          <a:xfrm flipV="1">
+            <a:off x="5140712" y="2891883"/>
+            <a:ext cx="275063" cy="994987"/>
+          </a:xfrm>
+          <a:prstGeom prst="straightConnector1">
+            <a:avLst/>
+          </a:prstGeom>
+          <a:ln w="28575">
+            <a:headEnd type="none" w="med" len="med"/>
+            <a:tailEnd type="none" w="med" len="med"/>
+          </a:ln>
+        </p:spPr>
+        <p:style>
+          <a:lnRef idx="1">
+            <a:schemeClr val="accent1"/>
+          </a:lnRef>
+          <a:fillRef idx="0">
+            <a:schemeClr val="accent1"/>
+          </a:fillRef>
+          <a:effectRef idx="0">
+            <a:schemeClr val="accent1"/>
+          </a:effectRef>
+          <a:fontRef idx="minor">
+            <a:schemeClr val="tx1"/>
+          </a:fontRef>
+        </p:style>
+      </p:cxnSp>
+      <p:cxnSp>
+        <p:nvCxnSpPr>
+          <p:cNvPr id="31" name="直線矢印コネクタ 30">
+            <a:extLst>
+              <a:ext uri="{FF2B5EF4-FFF2-40B4-BE49-F238E27FC236}">
+                <a16:creationId xmlns:a16="http://schemas.microsoft.com/office/drawing/2014/main" id="{1EA5B36E-83F0-44F9-71D7-F38F8E9BAB80}"/>
+              </a:ext>
+            </a:extLst>
+          </p:cNvPr>
+          <p:cNvCxnSpPr>
+            <a:cxnSpLocks/>
+            <a:stCxn id="27" idx="0"/>
+            <a:endCxn id="3" idx="2"/>
+          </p:cNvCxnSpPr>
+          <p:nvPr/>
+        </p:nvCxnSpPr>
+        <p:spPr>
+          <a:xfrm flipH="1" flipV="1">
+            <a:off x="5415775" y="2891883"/>
+            <a:ext cx="1464153" cy="463446"/>
+          </a:xfrm>
+          <a:prstGeom prst="straightConnector1">
+            <a:avLst/>
+          </a:prstGeom>
+          <a:ln w="28575">
+            <a:headEnd type="none" w="med" len="med"/>
+            <a:tailEnd type="none" w="med" len="med"/>
+          </a:ln>
+        </p:spPr>
+        <p:style>
+          <a:lnRef idx="1">
+            <a:schemeClr val="accent1"/>
+          </a:lnRef>
+          <a:fillRef idx="0">
+            <a:schemeClr val="accent1"/>
+          </a:fillRef>
+          <a:effectRef idx="0">
+            <a:schemeClr val="accent1"/>
+          </a:effectRef>
+          <a:fontRef idx="minor">
+            <a:schemeClr val="tx1"/>
+          </a:fontRef>
+        </p:style>
+      </p:cxnSp>
+    </p:spTree>
+    <p:extLst>
+      <p:ext uri="{BB962C8B-B14F-4D97-AF65-F5344CB8AC3E}">
+        <p14:creationId xmlns:p14="http://schemas.microsoft.com/office/powerpoint/2010/main" val="710309626"/>
+      </p:ext>
+    </p:extLst>
+  </p:cSld>
+  <p:clrMapOvr>
+    <a:masterClrMapping/>
+  </p:clrMapOvr>
+</p:sld>
+</file>
+
+<file path=ppt/slides/slide7.xml><?xml version="1.0" encoding="utf-8"?>
+<p:sld xmlns:a="http://schemas.openxmlformats.org/drawingml/2006/main" xmlns:r="http://schemas.openxmlformats.org/officeDocument/2006/relationships" xmlns:p="http://schemas.openxmlformats.org/presentationml/2006/main">
+  <p:cSld>
+    <p:spTree>
+      <p:nvGrpSpPr>
+        <p:cNvPr id="1" name=""/>
+        <p:cNvGrpSpPr/>
+        <p:nvPr/>
+      </p:nvGrpSpPr>
+      <p:grpSpPr>
+        <a:xfrm>
+          <a:off x="0" y="0"/>
+          <a:ext cx="0" cy="0"/>
+          <a:chOff x="0" y="0"/>
+          <a:chExt cx="0" cy="0"/>
+        </a:xfrm>
+      </p:grpSpPr>
+      <p:sp>
+        <p:nvSpPr>
+          <p:cNvPr id="2" name="矢印: 右 1">
+            <a:extLst>
+              <a:ext uri="{FF2B5EF4-FFF2-40B4-BE49-F238E27FC236}">
+                <a16:creationId xmlns:a16="http://schemas.microsoft.com/office/drawing/2014/main" id="{31A01D16-28D6-721B-4B1D-E954C3DFC375}"/>
+              </a:ext>
+            </a:extLst>
+          </p:cNvPr>
+          <p:cNvSpPr/>
+          <p:nvPr/>
+        </p:nvSpPr>
+        <p:spPr>
+          <a:xfrm>
+            <a:off x="2483005" y="1761893"/>
+            <a:ext cx="3954966" cy="1293542"/>
+          </a:xfrm>
+          <a:prstGeom prst="rightArrow">
+            <a:avLst/>
+          </a:prstGeom>
+        </p:spPr>
+        <p:style>
+          <a:lnRef idx="2">
+            <a:schemeClr val="accent1">
+              <a:shade val="50000"/>
+            </a:schemeClr>
+          </a:lnRef>
+          <a:fillRef idx="1">
+            <a:schemeClr val="accent1"/>
+          </a:fillRef>
+          <a:effectRef idx="0">
+            <a:schemeClr val="accent1"/>
+          </a:effectRef>
+          <a:fontRef idx="minor">
+            <a:schemeClr val="lt1"/>
+          </a:fontRef>
+        </p:style>
+        <p:txBody>
+          <a:bodyPr rtlCol="0" anchor="ctr"/>
+          <a:lstStyle/>
+          <a:p>
+            <a:pPr algn="ctr"/>
+            <a:endParaRPr kumimoji="1" lang="ja-JP" altLang="en-US"/>
+          </a:p>
+        </p:txBody>
+      </p:sp>
+      <p:cxnSp>
+        <p:nvCxnSpPr>
+          <p:cNvPr id="5" name="直線コネクタ 4">
+            <a:extLst>
+              <a:ext uri="{FF2B5EF4-FFF2-40B4-BE49-F238E27FC236}">
+                <a16:creationId xmlns:a16="http://schemas.microsoft.com/office/drawing/2014/main" id="{8C4C7770-22B7-09A2-C3DF-17F3318535E7}"/>
+              </a:ext>
+            </a:extLst>
+          </p:cNvPr>
+          <p:cNvCxnSpPr/>
+          <p:nvPr/>
+        </p:nvCxnSpPr>
+        <p:spPr>
+          <a:xfrm>
+            <a:off x="2468137" y="1005469"/>
+            <a:ext cx="0" cy="4415883"/>
+          </a:xfrm>
+          <a:prstGeom prst="line">
+            <a:avLst/>
+          </a:prstGeom>
+          <a:ln w="19050"/>
+        </p:spPr>
+        <p:style>
+          <a:lnRef idx="1">
+            <a:schemeClr val="accent1"/>
+          </a:lnRef>
+          <a:fillRef idx="0">
+            <a:schemeClr val="accent1"/>
+          </a:fillRef>
+          <a:effectRef idx="0">
+            <a:schemeClr val="accent1"/>
+          </a:effectRef>
+          <a:fontRef idx="minor">
+            <a:schemeClr val="tx1"/>
+          </a:fontRef>
+        </p:style>
+      </p:cxnSp>
+      <p:cxnSp>
+        <p:nvCxnSpPr>
+          <p:cNvPr id="8" name="直線コネクタ 7">
+            <a:extLst>
+              <a:ext uri="{FF2B5EF4-FFF2-40B4-BE49-F238E27FC236}">
+                <a16:creationId xmlns:a16="http://schemas.microsoft.com/office/drawing/2014/main" id="{9CDD13F4-9992-BAA5-150B-BEB4E3FFEAC4}"/>
+              </a:ext>
+            </a:extLst>
+          </p:cNvPr>
+          <p:cNvCxnSpPr/>
+          <p:nvPr/>
+        </p:nvCxnSpPr>
+        <p:spPr>
+          <a:xfrm>
+            <a:off x="6437971" y="1005469"/>
+            <a:ext cx="0" cy="4415883"/>
+          </a:xfrm>
+          <a:prstGeom prst="line">
+            <a:avLst/>
+          </a:prstGeom>
+          <a:ln w="19050"/>
+        </p:spPr>
+        <p:style>
+          <a:lnRef idx="1">
+            <a:schemeClr val="accent1"/>
+          </a:lnRef>
+          <a:fillRef idx="0">
+            <a:schemeClr val="accent1"/>
+          </a:fillRef>
+          <a:effectRef idx="0">
+            <a:schemeClr val="accent1"/>
+          </a:effectRef>
+          <a:fontRef idx="minor">
+            <a:schemeClr val="tx1"/>
+          </a:fontRef>
+        </p:style>
+      </p:cxnSp>
+      <p:sp>
+        <p:nvSpPr>
+          <p:cNvPr id="10" name="テキスト ボックス 9">
+            <a:extLst>
+              <a:ext uri="{FF2B5EF4-FFF2-40B4-BE49-F238E27FC236}">
+                <a16:creationId xmlns:a16="http://schemas.microsoft.com/office/drawing/2014/main" id="{F4DFFDF1-D94B-AFB2-1861-8EDAA1B6A59A}"/>
+              </a:ext>
+            </a:extLst>
+          </p:cNvPr>
+          <p:cNvSpPr txBox="1"/>
+          <p:nvPr/>
+        </p:nvSpPr>
+        <p:spPr>
+          <a:xfrm>
+            <a:off x="1333898" y="2223998"/>
+            <a:ext cx="646331" cy="369332"/>
+          </a:xfrm>
+          <a:prstGeom prst="rect">
+            <a:avLst/>
+          </a:prstGeom>
+          <a:noFill/>
+        </p:spPr>
+        <p:txBody>
+          <a:bodyPr wrap="none" rtlCol="0">
+            <a:spAutoFit/>
+          </a:bodyPr>
+          <a:lstStyle/>
+          <a:p>
+            <a:pPr algn="ctr"/>
+            <a:r>
+              <a:rPr kumimoji="1" lang="ja-JP" altLang="en-US" dirty="0">
+                <a:latin typeface="M+ 1c light" panose="020B0403020204020204" pitchFamily="50" charset="-128"/>
+                <a:ea typeface="M+ 1c light" panose="020B0403020204020204" pitchFamily="50" charset="-128"/>
+                <a:cs typeface="M+ 1c light" panose="020B0403020204020204" pitchFamily="50" charset="-128"/>
+              </a:rPr>
+              <a:t>販売</a:t>
+            </a:r>
+          </a:p>
+        </p:txBody>
+      </p:sp>
+      <p:sp>
+        <p:nvSpPr>
+          <p:cNvPr id="12" name="テキスト ボックス 11">
+            <a:extLst>
+              <a:ext uri="{FF2B5EF4-FFF2-40B4-BE49-F238E27FC236}">
+                <a16:creationId xmlns:a16="http://schemas.microsoft.com/office/drawing/2014/main" id="{B32028E1-3F05-0419-6884-0A377A24F643}"/>
+              </a:ext>
+            </a:extLst>
+          </p:cNvPr>
+          <p:cNvSpPr txBox="1"/>
+          <p:nvPr/>
+        </p:nvSpPr>
+        <p:spPr>
+          <a:xfrm>
+            <a:off x="1792312" y="636137"/>
+            <a:ext cx="1351652" cy="369332"/>
+          </a:xfrm>
+          <a:prstGeom prst="rect">
+            <a:avLst/>
+          </a:prstGeom>
+          <a:noFill/>
+        </p:spPr>
+        <p:txBody>
+          <a:bodyPr wrap="none" rtlCol="0">
+            <a:spAutoFit/>
+          </a:bodyPr>
+          <a:lstStyle/>
+          <a:p>
+            <a:pPr algn="ctr"/>
+            <a:r>
+              <a:rPr kumimoji="1" lang="en-US" altLang="ja-JP" dirty="0">
+                <a:latin typeface="M+ 1c light" panose="020B0403020204020204" pitchFamily="50" charset="-128"/>
+                <a:ea typeface="M+ 1c light" panose="020B0403020204020204" pitchFamily="50" charset="-128"/>
+                <a:cs typeface="M+ 1c light" panose="020B0403020204020204" pitchFamily="50" charset="-128"/>
+              </a:rPr>
+              <a:t>2022</a:t>
+            </a:r>
+            <a:r>
+              <a:rPr kumimoji="1" lang="ja-JP" altLang="en-US" dirty="0">
+                <a:latin typeface="M+ 1c light" panose="020B0403020204020204" pitchFamily="50" charset="-128"/>
+                <a:ea typeface="M+ 1c light" panose="020B0403020204020204" pitchFamily="50" charset="-128"/>
+                <a:cs typeface="M+ 1c light" panose="020B0403020204020204" pitchFamily="50" charset="-128"/>
+              </a:rPr>
+              <a:t>年</a:t>
+            </a:r>
+            <a:r>
+              <a:rPr kumimoji="1" lang="en-US" altLang="ja-JP" dirty="0">
+                <a:latin typeface="M+ 1c light" panose="020B0403020204020204" pitchFamily="50" charset="-128"/>
+                <a:ea typeface="M+ 1c light" panose="020B0403020204020204" pitchFamily="50" charset="-128"/>
+                <a:cs typeface="M+ 1c light" panose="020B0403020204020204" pitchFamily="50" charset="-128"/>
+              </a:rPr>
+              <a:t>4</a:t>
+            </a:r>
+            <a:r>
+              <a:rPr kumimoji="1" lang="ja-JP" altLang="en-US" dirty="0">
+                <a:latin typeface="M+ 1c light" panose="020B0403020204020204" pitchFamily="50" charset="-128"/>
+                <a:ea typeface="M+ 1c light" panose="020B0403020204020204" pitchFamily="50" charset="-128"/>
+                <a:cs typeface="M+ 1c light" panose="020B0403020204020204" pitchFamily="50" charset="-128"/>
+              </a:rPr>
+              <a:t>月</a:t>
+            </a:r>
+          </a:p>
+        </p:txBody>
+      </p:sp>
+      <p:sp>
+        <p:nvSpPr>
+          <p:cNvPr id="13" name="テキスト ボックス 12">
+            <a:extLst>
+              <a:ext uri="{FF2B5EF4-FFF2-40B4-BE49-F238E27FC236}">
+                <a16:creationId xmlns:a16="http://schemas.microsoft.com/office/drawing/2014/main" id="{DD1095C1-831F-4A9B-76D2-206BCC30CFED}"/>
+              </a:ext>
+            </a:extLst>
+          </p:cNvPr>
+          <p:cNvSpPr txBox="1"/>
+          <p:nvPr/>
+        </p:nvSpPr>
+        <p:spPr>
+          <a:xfrm>
+            <a:off x="5568949" y="636137"/>
+            <a:ext cx="1492716" cy="369332"/>
+          </a:xfrm>
+          <a:prstGeom prst="rect">
+            <a:avLst/>
+          </a:prstGeom>
+          <a:noFill/>
+        </p:spPr>
+        <p:txBody>
+          <a:bodyPr wrap="none" rtlCol="0">
+            <a:spAutoFit/>
+          </a:bodyPr>
+          <a:lstStyle/>
+          <a:p>
+            <a:pPr algn="ctr"/>
+            <a:r>
+              <a:rPr kumimoji="1" lang="en-US" altLang="ja-JP" dirty="0">
+                <a:latin typeface="M+ 1c light" panose="020B0403020204020204" pitchFamily="50" charset="-128"/>
+                <a:ea typeface="M+ 1c light" panose="020B0403020204020204" pitchFamily="50" charset="-128"/>
+                <a:cs typeface="M+ 1c light" panose="020B0403020204020204" pitchFamily="50" charset="-128"/>
+              </a:rPr>
+              <a:t>2022</a:t>
+            </a:r>
+            <a:r>
+              <a:rPr kumimoji="1" lang="ja-JP" altLang="en-US" dirty="0">
+                <a:latin typeface="M+ 1c light" panose="020B0403020204020204" pitchFamily="50" charset="-128"/>
+                <a:ea typeface="M+ 1c light" panose="020B0403020204020204" pitchFamily="50" charset="-128"/>
+                <a:cs typeface="M+ 1c light" panose="020B0403020204020204" pitchFamily="50" charset="-128"/>
+              </a:rPr>
+              <a:t>年</a:t>
+            </a:r>
+            <a:r>
+              <a:rPr kumimoji="1" lang="en-US" altLang="ja-JP" dirty="0">
+                <a:latin typeface="M+ 1c light" panose="020B0403020204020204" pitchFamily="50" charset="-128"/>
+                <a:ea typeface="M+ 1c light" panose="020B0403020204020204" pitchFamily="50" charset="-128"/>
+                <a:cs typeface="M+ 1c light" panose="020B0403020204020204" pitchFamily="50" charset="-128"/>
+              </a:rPr>
+              <a:t>10</a:t>
+            </a:r>
+            <a:r>
+              <a:rPr kumimoji="1" lang="ja-JP" altLang="en-US" dirty="0">
+                <a:latin typeface="M+ 1c light" panose="020B0403020204020204" pitchFamily="50" charset="-128"/>
+                <a:ea typeface="M+ 1c light" panose="020B0403020204020204" pitchFamily="50" charset="-128"/>
+                <a:cs typeface="M+ 1c light" panose="020B0403020204020204" pitchFamily="50" charset="-128"/>
+              </a:rPr>
+              <a:t>月</a:t>
+            </a:r>
+          </a:p>
+        </p:txBody>
+      </p:sp>
+    </p:spTree>
+    <p:extLst>
+      <p:ext uri="{BB962C8B-B14F-4D97-AF65-F5344CB8AC3E}">
+        <p14:creationId xmlns:p14="http://schemas.microsoft.com/office/powerpoint/2010/main" val="4002066783"/>
+      </p:ext>
+    </p:extLst>
+  </p:cSld>
+  <p:clrMapOvr>
+    <a:masterClrMapping/>
+  </p:clrMapOvr>
+</p:sld>
+</file>
+
+<file path=ppt/slides/slide8.xml><?xml version="1.0" encoding="utf-8"?>
+<p:sld xmlns:a="http://schemas.openxmlformats.org/drawingml/2006/main" xmlns:r="http://schemas.openxmlformats.org/officeDocument/2006/relationships" xmlns:p="http://schemas.openxmlformats.org/presentationml/2006/main">
+  <p:cSld>
+    <p:spTree>
+      <p:nvGrpSpPr>
+        <p:cNvPr id="1" name=""/>
+        <p:cNvGrpSpPr/>
+        <p:nvPr/>
+      </p:nvGrpSpPr>
+      <p:grpSpPr>
+        <a:xfrm>
+          <a:off x="0" y="0"/>
+          <a:ext cx="0" cy="0"/>
+          <a:chOff x="0" y="0"/>
+          <a:chExt cx="0" cy="0"/>
+        </a:xfrm>
+      </p:grpSpPr>
+      <p:sp>
+        <p:nvSpPr>
+          <p:cNvPr id="2" name="矢印: 右 1">
+            <a:extLst>
+              <a:ext uri="{FF2B5EF4-FFF2-40B4-BE49-F238E27FC236}">
+                <a16:creationId xmlns:a16="http://schemas.microsoft.com/office/drawing/2014/main" id="{31A01D16-28D6-721B-4B1D-E954C3DFC375}"/>
+              </a:ext>
+            </a:extLst>
+          </p:cNvPr>
+          <p:cNvSpPr/>
+          <p:nvPr/>
+        </p:nvSpPr>
+        <p:spPr>
+          <a:xfrm>
+            <a:off x="2483005" y="1761893"/>
+            <a:ext cx="3954966" cy="1293542"/>
+          </a:xfrm>
+          <a:prstGeom prst="rightArrow">
+            <a:avLst/>
+          </a:prstGeom>
+        </p:spPr>
+        <p:style>
+          <a:lnRef idx="2">
+            <a:schemeClr val="accent1">
+              <a:shade val="50000"/>
+            </a:schemeClr>
+          </a:lnRef>
+          <a:fillRef idx="1">
+            <a:schemeClr val="accent1"/>
+          </a:fillRef>
+          <a:effectRef idx="0">
+            <a:schemeClr val="accent1"/>
+          </a:effectRef>
+          <a:fontRef idx="minor">
+            <a:schemeClr val="lt1"/>
+          </a:fontRef>
+        </p:style>
+        <p:txBody>
+          <a:bodyPr rtlCol="0" anchor="ctr"/>
+          <a:lstStyle/>
+          <a:p>
+            <a:pPr algn="ctr"/>
+            <a:endParaRPr kumimoji="1" lang="ja-JP" altLang="en-US"/>
+          </a:p>
+        </p:txBody>
+      </p:sp>
+      <p:sp>
+        <p:nvSpPr>
+          <p:cNvPr id="3" name="矢印: 右 2">
+            <a:extLst>
+              <a:ext uri="{FF2B5EF4-FFF2-40B4-BE49-F238E27FC236}">
+                <a16:creationId xmlns:a16="http://schemas.microsoft.com/office/drawing/2014/main" id="{4C0CAA0B-9254-20C1-D571-AFE937D3AC6B}"/>
+              </a:ext>
+            </a:extLst>
+          </p:cNvPr>
+          <p:cNvSpPr/>
+          <p:nvPr/>
+        </p:nvSpPr>
+        <p:spPr>
+          <a:xfrm>
+            <a:off x="4337824" y="3445727"/>
+            <a:ext cx="3954966" cy="1293542"/>
+          </a:xfrm>
+          <a:prstGeom prst="rightArrow">
+            <a:avLst/>
+          </a:prstGeom>
+        </p:spPr>
+        <p:style>
+          <a:lnRef idx="2">
+            <a:schemeClr val="accent1">
+              <a:shade val="50000"/>
+            </a:schemeClr>
+          </a:lnRef>
+          <a:fillRef idx="1">
+            <a:schemeClr val="accent1"/>
+          </a:fillRef>
+          <a:effectRef idx="0">
+            <a:schemeClr val="accent1"/>
+          </a:effectRef>
+          <a:fontRef idx="minor">
+            <a:schemeClr val="lt1"/>
+          </a:fontRef>
+        </p:style>
+        <p:txBody>
+          <a:bodyPr rtlCol="0" anchor="ctr"/>
+          <a:lstStyle/>
+          <a:p>
+            <a:pPr algn="ctr"/>
+            <a:endParaRPr kumimoji="1" lang="ja-JP" altLang="en-US"/>
+          </a:p>
+        </p:txBody>
+      </p:sp>
+      <p:cxnSp>
+        <p:nvCxnSpPr>
+          <p:cNvPr id="5" name="直線コネクタ 4">
+            <a:extLst>
+              <a:ext uri="{FF2B5EF4-FFF2-40B4-BE49-F238E27FC236}">
+                <a16:creationId xmlns:a16="http://schemas.microsoft.com/office/drawing/2014/main" id="{8C4C7770-22B7-09A2-C3DF-17F3318535E7}"/>
+              </a:ext>
+            </a:extLst>
+          </p:cNvPr>
+          <p:cNvCxnSpPr/>
+          <p:nvPr/>
+        </p:nvCxnSpPr>
+        <p:spPr>
+          <a:xfrm>
+            <a:off x="2468137" y="1005469"/>
+            <a:ext cx="0" cy="4415883"/>
+          </a:xfrm>
+          <a:prstGeom prst="line">
+            <a:avLst/>
+          </a:prstGeom>
+          <a:ln w="19050"/>
+        </p:spPr>
+        <p:style>
+          <a:lnRef idx="1">
+            <a:schemeClr val="accent1"/>
+          </a:lnRef>
+          <a:fillRef idx="0">
+            <a:schemeClr val="accent1"/>
+          </a:fillRef>
+          <a:effectRef idx="0">
+            <a:schemeClr val="accent1"/>
+          </a:effectRef>
+          <a:fontRef idx="minor">
+            <a:schemeClr val="tx1"/>
+          </a:fontRef>
+        </p:style>
+      </p:cxnSp>
+      <p:cxnSp>
+        <p:nvCxnSpPr>
+          <p:cNvPr id="7" name="直線コネクタ 6">
+            <a:extLst>
+              <a:ext uri="{FF2B5EF4-FFF2-40B4-BE49-F238E27FC236}">
+                <a16:creationId xmlns:a16="http://schemas.microsoft.com/office/drawing/2014/main" id="{CBB50283-93EA-2F51-754A-EE9D0BCE0D2A}"/>
+              </a:ext>
+            </a:extLst>
+          </p:cNvPr>
+          <p:cNvCxnSpPr/>
+          <p:nvPr/>
+        </p:nvCxnSpPr>
+        <p:spPr>
+          <a:xfrm>
+            <a:off x="4319239" y="1005469"/>
+            <a:ext cx="0" cy="4415883"/>
+          </a:xfrm>
+          <a:prstGeom prst="line">
+            <a:avLst/>
+          </a:prstGeom>
+          <a:ln w="19050"/>
+        </p:spPr>
+        <p:style>
+          <a:lnRef idx="1">
+            <a:schemeClr val="accent1"/>
+          </a:lnRef>
+          <a:fillRef idx="0">
+            <a:schemeClr val="accent1"/>
+          </a:fillRef>
+          <a:effectRef idx="0">
+            <a:schemeClr val="accent1"/>
+          </a:effectRef>
+          <a:fontRef idx="minor">
+            <a:schemeClr val="tx1"/>
+          </a:fontRef>
+        </p:style>
+      </p:cxnSp>
+      <p:cxnSp>
+        <p:nvCxnSpPr>
+          <p:cNvPr id="8" name="直線コネクタ 7">
+            <a:extLst>
+              <a:ext uri="{FF2B5EF4-FFF2-40B4-BE49-F238E27FC236}">
+                <a16:creationId xmlns:a16="http://schemas.microsoft.com/office/drawing/2014/main" id="{9CDD13F4-9992-BAA5-150B-BEB4E3FFEAC4}"/>
+              </a:ext>
+            </a:extLst>
+          </p:cNvPr>
+          <p:cNvCxnSpPr/>
+          <p:nvPr/>
+        </p:nvCxnSpPr>
+        <p:spPr>
+          <a:xfrm>
+            <a:off x="6437971" y="1005469"/>
+            <a:ext cx="0" cy="4415883"/>
+          </a:xfrm>
+          <a:prstGeom prst="line">
+            <a:avLst/>
+          </a:prstGeom>
+          <a:ln w="19050"/>
+        </p:spPr>
+        <p:style>
+          <a:lnRef idx="1">
+            <a:schemeClr val="accent1"/>
+          </a:lnRef>
+          <a:fillRef idx="0">
+            <a:schemeClr val="accent1"/>
+          </a:fillRef>
+          <a:effectRef idx="0">
+            <a:schemeClr val="accent1"/>
+          </a:effectRef>
+          <a:fontRef idx="minor">
+            <a:schemeClr val="tx1"/>
+          </a:fontRef>
+        </p:style>
+      </p:cxnSp>
+      <p:cxnSp>
+        <p:nvCxnSpPr>
+          <p:cNvPr id="9" name="直線コネクタ 8">
+            <a:extLst>
+              <a:ext uri="{FF2B5EF4-FFF2-40B4-BE49-F238E27FC236}">
+                <a16:creationId xmlns:a16="http://schemas.microsoft.com/office/drawing/2014/main" id="{A8C6CC88-73EE-2B0B-3432-CEA905CFCFC1}"/>
+              </a:ext>
+            </a:extLst>
+          </p:cNvPr>
+          <p:cNvCxnSpPr/>
+          <p:nvPr/>
+        </p:nvCxnSpPr>
+        <p:spPr>
+          <a:xfrm>
+            <a:off x="8274205" y="1005469"/>
+            <a:ext cx="0" cy="4415883"/>
+          </a:xfrm>
+          <a:prstGeom prst="line">
+            <a:avLst/>
+          </a:prstGeom>
+          <a:ln w="19050"/>
+        </p:spPr>
+        <p:style>
+          <a:lnRef idx="1">
+            <a:schemeClr val="accent1"/>
+          </a:lnRef>
+          <a:fillRef idx="0">
+            <a:schemeClr val="accent1"/>
+          </a:fillRef>
+          <a:effectRef idx="0">
+            <a:schemeClr val="accent1"/>
+          </a:effectRef>
+          <a:fontRef idx="minor">
+            <a:schemeClr val="tx1"/>
+          </a:fontRef>
+        </p:style>
+      </p:cxnSp>
+      <p:sp>
+        <p:nvSpPr>
+          <p:cNvPr id="10" name="テキスト ボックス 9">
+            <a:extLst>
+              <a:ext uri="{FF2B5EF4-FFF2-40B4-BE49-F238E27FC236}">
+                <a16:creationId xmlns:a16="http://schemas.microsoft.com/office/drawing/2014/main" id="{F4DFFDF1-D94B-AFB2-1861-8EDAA1B6A59A}"/>
+              </a:ext>
+            </a:extLst>
+          </p:cNvPr>
+          <p:cNvSpPr txBox="1"/>
+          <p:nvPr/>
+        </p:nvSpPr>
+        <p:spPr>
+          <a:xfrm>
+            <a:off x="1333898" y="2223998"/>
+            <a:ext cx="646331" cy="369332"/>
+          </a:xfrm>
+          <a:prstGeom prst="rect">
+            <a:avLst/>
+          </a:prstGeom>
+          <a:noFill/>
+        </p:spPr>
+        <p:txBody>
+          <a:bodyPr wrap="none" rtlCol="0">
+            <a:spAutoFit/>
+          </a:bodyPr>
+          <a:lstStyle/>
+          <a:p>
+            <a:pPr algn="ctr"/>
+            <a:r>
+              <a:rPr kumimoji="1" lang="ja-JP" altLang="en-US" dirty="0">
+                <a:latin typeface="M+ 1c light" panose="020B0403020204020204" pitchFamily="50" charset="-128"/>
+                <a:ea typeface="M+ 1c light" panose="020B0403020204020204" pitchFamily="50" charset="-128"/>
+                <a:cs typeface="M+ 1c light" panose="020B0403020204020204" pitchFamily="50" charset="-128"/>
+              </a:rPr>
+              <a:t>販売</a:t>
+            </a:r>
+          </a:p>
+        </p:txBody>
+      </p:sp>
+      <p:sp>
+        <p:nvSpPr>
+          <p:cNvPr id="11" name="テキスト ボックス 10">
+            <a:extLst>
+              <a:ext uri="{FF2B5EF4-FFF2-40B4-BE49-F238E27FC236}">
+                <a16:creationId xmlns:a16="http://schemas.microsoft.com/office/drawing/2014/main" id="{D5940FD1-B227-F179-A6E9-8C26ABEA8D7E}"/>
+              </a:ext>
+            </a:extLst>
+          </p:cNvPr>
+          <p:cNvSpPr txBox="1"/>
+          <p:nvPr/>
+        </p:nvSpPr>
+        <p:spPr>
+          <a:xfrm>
+            <a:off x="1333899" y="3907832"/>
+            <a:ext cx="646331" cy="369332"/>
+          </a:xfrm>
+          <a:prstGeom prst="rect">
+            <a:avLst/>
+          </a:prstGeom>
+          <a:noFill/>
+        </p:spPr>
+        <p:txBody>
+          <a:bodyPr wrap="none" rtlCol="0">
+            <a:spAutoFit/>
+          </a:bodyPr>
+          <a:lstStyle/>
+          <a:p>
+            <a:pPr algn="ctr"/>
+            <a:r>
+              <a:rPr kumimoji="1" lang="ja-JP" altLang="en-US" dirty="0">
+                <a:latin typeface="M+ 1c light" panose="020B0403020204020204" pitchFamily="50" charset="-128"/>
+                <a:ea typeface="M+ 1c light" panose="020B0403020204020204" pitchFamily="50" charset="-128"/>
+                <a:cs typeface="M+ 1c light" panose="020B0403020204020204" pitchFamily="50" charset="-128"/>
+              </a:rPr>
+              <a:t>購買</a:t>
+            </a:r>
+          </a:p>
+        </p:txBody>
+      </p:sp>
+      <p:sp>
+        <p:nvSpPr>
+          <p:cNvPr id="12" name="テキスト ボックス 11">
+            <a:extLst>
+              <a:ext uri="{FF2B5EF4-FFF2-40B4-BE49-F238E27FC236}">
+                <a16:creationId xmlns:a16="http://schemas.microsoft.com/office/drawing/2014/main" id="{B32028E1-3F05-0419-6884-0A377A24F643}"/>
+              </a:ext>
+            </a:extLst>
+          </p:cNvPr>
+          <p:cNvSpPr txBox="1"/>
+          <p:nvPr/>
+        </p:nvSpPr>
+        <p:spPr>
+          <a:xfrm>
+            <a:off x="1792312" y="636137"/>
+            <a:ext cx="1351652" cy="369332"/>
+          </a:xfrm>
+          <a:prstGeom prst="rect">
+            <a:avLst/>
+          </a:prstGeom>
+          <a:noFill/>
+        </p:spPr>
+        <p:txBody>
+          <a:bodyPr wrap="none" rtlCol="0">
+            <a:spAutoFit/>
+          </a:bodyPr>
+          <a:lstStyle/>
+          <a:p>
+            <a:pPr algn="ctr"/>
+            <a:r>
+              <a:rPr kumimoji="1" lang="en-US" altLang="ja-JP" dirty="0">
+                <a:latin typeface="M+ 1c light" panose="020B0403020204020204" pitchFamily="50" charset="-128"/>
+                <a:ea typeface="M+ 1c light" panose="020B0403020204020204" pitchFamily="50" charset="-128"/>
+                <a:cs typeface="M+ 1c light" panose="020B0403020204020204" pitchFamily="50" charset="-128"/>
+              </a:rPr>
+              <a:t>2022</a:t>
+            </a:r>
+            <a:r>
+              <a:rPr kumimoji="1" lang="ja-JP" altLang="en-US" dirty="0">
+                <a:latin typeface="M+ 1c light" panose="020B0403020204020204" pitchFamily="50" charset="-128"/>
+                <a:ea typeface="M+ 1c light" panose="020B0403020204020204" pitchFamily="50" charset="-128"/>
+                <a:cs typeface="M+ 1c light" panose="020B0403020204020204" pitchFamily="50" charset="-128"/>
+              </a:rPr>
+              <a:t>年</a:t>
+            </a:r>
+            <a:r>
+              <a:rPr kumimoji="1" lang="en-US" altLang="ja-JP" dirty="0">
+                <a:latin typeface="M+ 1c light" panose="020B0403020204020204" pitchFamily="50" charset="-128"/>
+                <a:ea typeface="M+ 1c light" panose="020B0403020204020204" pitchFamily="50" charset="-128"/>
+                <a:cs typeface="M+ 1c light" panose="020B0403020204020204" pitchFamily="50" charset="-128"/>
+              </a:rPr>
+              <a:t>4</a:t>
+            </a:r>
+            <a:r>
+              <a:rPr kumimoji="1" lang="ja-JP" altLang="en-US" dirty="0">
+                <a:latin typeface="M+ 1c light" panose="020B0403020204020204" pitchFamily="50" charset="-128"/>
+                <a:ea typeface="M+ 1c light" panose="020B0403020204020204" pitchFamily="50" charset="-128"/>
+                <a:cs typeface="M+ 1c light" panose="020B0403020204020204" pitchFamily="50" charset="-128"/>
+              </a:rPr>
+              <a:t>月</a:t>
+            </a:r>
+          </a:p>
+        </p:txBody>
+      </p:sp>
+      <p:sp>
+        <p:nvSpPr>
+          <p:cNvPr id="13" name="テキスト ボックス 12">
+            <a:extLst>
+              <a:ext uri="{FF2B5EF4-FFF2-40B4-BE49-F238E27FC236}">
+                <a16:creationId xmlns:a16="http://schemas.microsoft.com/office/drawing/2014/main" id="{DD1095C1-831F-4A9B-76D2-206BCC30CFED}"/>
+              </a:ext>
+            </a:extLst>
+          </p:cNvPr>
+          <p:cNvSpPr txBox="1"/>
+          <p:nvPr/>
+        </p:nvSpPr>
+        <p:spPr>
+          <a:xfrm>
+            <a:off x="5568949" y="636137"/>
+            <a:ext cx="1492716" cy="369332"/>
+          </a:xfrm>
+          <a:prstGeom prst="rect">
+            <a:avLst/>
+          </a:prstGeom>
+          <a:noFill/>
+        </p:spPr>
+        <p:txBody>
+          <a:bodyPr wrap="none" rtlCol="0">
+            <a:spAutoFit/>
+          </a:bodyPr>
+          <a:lstStyle/>
+          <a:p>
+            <a:pPr algn="ctr"/>
+            <a:r>
+              <a:rPr kumimoji="1" lang="en-US" altLang="ja-JP" dirty="0">
+                <a:latin typeface="M+ 1c light" panose="020B0403020204020204" pitchFamily="50" charset="-128"/>
+                <a:ea typeface="M+ 1c light" panose="020B0403020204020204" pitchFamily="50" charset="-128"/>
+                <a:cs typeface="M+ 1c light" panose="020B0403020204020204" pitchFamily="50" charset="-128"/>
+              </a:rPr>
+              <a:t>2022</a:t>
+            </a:r>
+            <a:r>
+              <a:rPr kumimoji="1" lang="ja-JP" altLang="en-US" dirty="0">
+                <a:latin typeface="M+ 1c light" panose="020B0403020204020204" pitchFamily="50" charset="-128"/>
+                <a:ea typeface="M+ 1c light" panose="020B0403020204020204" pitchFamily="50" charset="-128"/>
+                <a:cs typeface="M+ 1c light" panose="020B0403020204020204" pitchFamily="50" charset="-128"/>
+              </a:rPr>
+              <a:t>年</a:t>
+            </a:r>
+            <a:r>
+              <a:rPr kumimoji="1" lang="en-US" altLang="ja-JP" dirty="0">
+                <a:latin typeface="M+ 1c light" panose="020B0403020204020204" pitchFamily="50" charset="-128"/>
+                <a:ea typeface="M+ 1c light" panose="020B0403020204020204" pitchFamily="50" charset="-128"/>
+                <a:cs typeface="M+ 1c light" panose="020B0403020204020204" pitchFamily="50" charset="-128"/>
+              </a:rPr>
+              <a:t>10</a:t>
+            </a:r>
+            <a:r>
+              <a:rPr kumimoji="1" lang="ja-JP" altLang="en-US" dirty="0">
+                <a:latin typeface="M+ 1c light" panose="020B0403020204020204" pitchFamily="50" charset="-128"/>
+                <a:ea typeface="M+ 1c light" panose="020B0403020204020204" pitchFamily="50" charset="-128"/>
+                <a:cs typeface="M+ 1c light" panose="020B0403020204020204" pitchFamily="50" charset="-128"/>
+              </a:rPr>
+              <a:t>月</a:t>
+            </a:r>
+          </a:p>
+        </p:txBody>
+      </p:sp>
+      <p:sp>
+        <p:nvSpPr>
+          <p:cNvPr id="14" name="テキスト ボックス 13">
+            <a:extLst>
+              <a:ext uri="{FF2B5EF4-FFF2-40B4-BE49-F238E27FC236}">
+                <a16:creationId xmlns:a16="http://schemas.microsoft.com/office/drawing/2014/main" id="{B93E8A21-4748-120B-9534-8AD5599447A6}"/>
+              </a:ext>
+            </a:extLst>
+          </p:cNvPr>
+          <p:cNvSpPr txBox="1"/>
+          <p:nvPr/>
+        </p:nvSpPr>
+        <p:spPr>
+          <a:xfrm>
+            <a:off x="3628545" y="636137"/>
+            <a:ext cx="1351652" cy="369332"/>
+          </a:xfrm>
+          <a:prstGeom prst="rect">
+            <a:avLst/>
+          </a:prstGeom>
+          <a:noFill/>
+        </p:spPr>
+        <p:txBody>
+          <a:bodyPr wrap="none" rtlCol="0">
+            <a:spAutoFit/>
+          </a:bodyPr>
+          <a:lstStyle/>
+          <a:p>
+            <a:pPr algn="ctr"/>
+            <a:r>
+              <a:rPr kumimoji="1" lang="en-US" altLang="ja-JP" dirty="0">
+                <a:latin typeface="M+ 1c light" panose="020B0403020204020204" pitchFamily="50" charset="-128"/>
+                <a:ea typeface="M+ 1c light" panose="020B0403020204020204" pitchFamily="50" charset="-128"/>
+                <a:cs typeface="M+ 1c light" panose="020B0403020204020204" pitchFamily="50" charset="-128"/>
+              </a:rPr>
+              <a:t>2022</a:t>
+            </a:r>
+            <a:r>
+              <a:rPr kumimoji="1" lang="ja-JP" altLang="en-US" dirty="0">
+                <a:latin typeface="M+ 1c light" panose="020B0403020204020204" pitchFamily="50" charset="-128"/>
+                <a:ea typeface="M+ 1c light" panose="020B0403020204020204" pitchFamily="50" charset="-128"/>
+                <a:cs typeface="M+ 1c light" panose="020B0403020204020204" pitchFamily="50" charset="-128"/>
+              </a:rPr>
+              <a:t>年</a:t>
+            </a:r>
+            <a:r>
+              <a:rPr kumimoji="1" lang="en-US" altLang="ja-JP" dirty="0">
+                <a:latin typeface="M+ 1c light" panose="020B0403020204020204" pitchFamily="50" charset="-128"/>
+                <a:ea typeface="M+ 1c light" panose="020B0403020204020204" pitchFamily="50" charset="-128"/>
+                <a:cs typeface="M+ 1c light" panose="020B0403020204020204" pitchFamily="50" charset="-128"/>
+              </a:rPr>
+              <a:t>8</a:t>
+            </a:r>
+            <a:r>
+              <a:rPr kumimoji="1" lang="ja-JP" altLang="en-US" dirty="0">
+                <a:latin typeface="M+ 1c light" panose="020B0403020204020204" pitchFamily="50" charset="-128"/>
+                <a:ea typeface="M+ 1c light" panose="020B0403020204020204" pitchFamily="50" charset="-128"/>
+                <a:cs typeface="M+ 1c light" panose="020B0403020204020204" pitchFamily="50" charset="-128"/>
+              </a:rPr>
+              <a:t>月</a:t>
+            </a:r>
+          </a:p>
+        </p:txBody>
+      </p:sp>
+      <p:sp>
+        <p:nvSpPr>
+          <p:cNvPr id="15" name="テキスト ボックス 14">
+            <a:extLst>
+              <a:ext uri="{FF2B5EF4-FFF2-40B4-BE49-F238E27FC236}">
+                <a16:creationId xmlns:a16="http://schemas.microsoft.com/office/drawing/2014/main" id="{53B71185-1B12-D75E-93ED-5C80E662426C}"/>
+              </a:ext>
+            </a:extLst>
+          </p:cNvPr>
+          <p:cNvSpPr txBox="1"/>
+          <p:nvPr/>
+        </p:nvSpPr>
+        <p:spPr>
+          <a:xfrm>
+            <a:off x="7375447" y="636137"/>
+            <a:ext cx="1492716" cy="369332"/>
+          </a:xfrm>
+          <a:prstGeom prst="rect">
+            <a:avLst/>
+          </a:prstGeom>
+          <a:noFill/>
+        </p:spPr>
+        <p:txBody>
+          <a:bodyPr wrap="none" rtlCol="0">
+            <a:spAutoFit/>
+          </a:bodyPr>
+          <a:lstStyle/>
+          <a:p>
+            <a:pPr algn="ctr"/>
+            <a:r>
+              <a:rPr kumimoji="1" lang="en-US" altLang="ja-JP" dirty="0">
+                <a:latin typeface="M+ 1c light" panose="020B0403020204020204" pitchFamily="50" charset="-128"/>
+                <a:ea typeface="M+ 1c light" panose="020B0403020204020204" pitchFamily="50" charset="-128"/>
+                <a:cs typeface="M+ 1c light" panose="020B0403020204020204" pitchFamily="50" charset="-128"/>
+              </a:rPr>
+              <a:t>2022</a:t>
+            </a:r>
+            <a:r>
+              <a:rPr kumimoji="1" lang="ja-JP" altLang="en-US" dirty="0">
+                <a:latin typeface="M+ 1c light" panose="020B0403020204020204" pitchFamily="50" charset="-128"/>
+                <a:ea typeface="M+ 1c light" panose="020B0403020204020204" pitchFamily="50" charset="-128"/>
+                <a:cs typeface="M+ 1c light" panose="020B0403020204020204" pitchFamily="50" charset="-128"/>
+              </a:rPr>
+              <a:t>年</a:t>
+            </a:r>
+            <a:r>
+              <a:rPr kumimoji="1" lang="en-US" altLang="ja-JP" dirty="0">
+                <a:latin typeface="M+ 1c light" panose="020B0403020204020204" pitchFamily="50" charset="-128"/>
+                <a:ea typeface="M+ 1c light" panose="020B0403020204020204" pitchFamily="50" charset="-128"/>
+                <a:cs typeface="M+ 1c light" panose="020B0403020204020204" pitchFamily="50" charset="-128"/>
+              </a:rPr>
+              <a:t>12</a:t>
+            </a:r>
+            <a:r>
+              <a:rPr kumimoji="1" lang="ja-JP" altLang="en-US" dirty="0">
+                <a:latin typeface="M+ 1c light" panose="020B0403020204020204" pitchFamily="50" charset="-128"/>
+                <a:ea typeface="M+ 1c light" panose="020B0403020204020204" pitchFamily="50" charset="-128"/>
+                <a:cs typeface="M+ 1c light" panose="020B0403020204020204" pitchFamily="50" charset="-128"/>
+              </a:rPr>
+              <a:t>月</a:t>
+            </a:r>
+          </a:p>
+        </p:txBody>
+      </p:sp>
+    </p:spTree>
+    <p:extLst>
+      <p:ext uri="{BB962C8B-B14F-4D97-AF65-F5344CB8AC3E}">
+        <p14:creationId xmlns:p14="http://schemas.microsoft.com/office/powerpoint/2010/main" val="1774639305"/>
       </p:ext>
     </p:extLst>
   </p:cSld>

--- a/AdventureWorks.pptx
+++ b/AdventureWorks.pptx
@@ -14,6 +14,10 @@
     <p:sldId id="261" r:id="rId8"/>
     <p:sldId id="263" r:id="rId9"/>
     <p:sldId id="262" r:id="rId10"/>
+    <p:sldId id="264" r:id="rId11"/>
+    <p:sldId id="266" r:id="rId12"/>
+    <p:sldId id="267" r:id="rId13"/>
+    <p:sldId id="265" r:id="rId14"/>
   </p:sldIdLst>
   <p:sldSz cx="12192000" cy="6858000"/>
   <p:notesSz cx="6858000" cy="9144000"/>
@@ -262,7 +266,7 @@
           <a:p>
             <a:fld id="{626702AC-6BD8-4265-8194-254349EA603F}" type="datetimeFigureOut">
               <a:rPr kumimoji="1" lang="ja-JP" altLang="en-US" smtClean="0"/>
-              <a:t>2022/11/12</a:t>
+              <a:t>2023/3/23</a:t>
             </a:fld>
             <a:endParaRPr kumimoji="1" lang="ja-JP" altLang="en-US"/>
           </a:p>
@@ -464,7 +468,7 @@
           <a:p>
             <a:fld id="{626702AC-6BD8-4265-8194-254349EA603F}" type="datetimeFigureOut">
               <a:rPr kumimoji="1" lang="ja-JP" altLang="en-US" smtClean="0"/>
-              <a:t>2022/11/12</a:t>
+              <a:t>2023/3/23</a:t>
             </a:fld>
             <a:endParaRPr kumimoji="1" lang="ja-JP" altLang="en-US"/>
           </a:p>
@@ -676,7 +680,7 @@
           <a:p>
             <a:fld id="{626702AC-6BD8-4265-8194-254349EA603F}" type="datetimeFigureOut">
               <a:rPr kumimoji="1" lang="ja-JP" altLang="en-US" smtClean="0"/>
-              <a:t>2022/11/12</a:t>
+              <a:t>2023/3/23</a:t>
             </a:fld>
             <a:endParaRPr kumimoji="1" lang="ja-JP" altLang="en-US"/>
           </a:p>
@@ -884,7 +888,7 @@
           <a:p>
             <a:fld id="{626702AC-6BD8-4265-8194-254349EA603F}" type="datetimeFigureOut">
               <a:rPr kumimoji="1" lang="ja-JP" altLang="en-US" smtClean="0"/>
-              <a:t>2022/11/12</a:t>
+              <a:t>2023/3/23</a:t>
             </a:fld>
             <a:endParaRPr kumimoji="1" lang="ja-JP" altLang="en-US"/>
           </a:p>
@@ -1114,7 +1118,7 @@
           <a:p>
             <a:fld id="{626702AC-6BD8-4265-8194-254349EA603F}" type="datetimeFigureOut">
               <a:rPr kumimoji="1" lang="ja-JP" altLang="en-US" smtClean="0"/>
-              <a:t>2022/11/12</a:t>
+              <a:t>2023/3/23</a:t>
             </a:fld>
             <a:endParaRPr kumimoji="1" lang="ja-JP" altLang="en-US"/>
           </a:p>
@@ -1389,7 +1393,7 @@
           <a:p>
             <a:fld id="{626702AC-6BD8-4265-8194-254349EA603F}" type="datetimeFigureOut">
               <a:rPr kumimoji="1" lang="ja-JP" altLang="en-US" smtClean="0"/>
-              <a:t>2022/11/12</a:t>
+              <a:t>2023/3/23</a:t>
             </a:fld>
             <a:endParaRPr kumimoji="1" lang="ja-JP" altLang="en-US"/>
           </a:p>
@@ -1718,7 +1722,7 @@
           <a:p>
             <a:fld id="{626702AC-6BD8-4265-8194-254349EA603F}" type="datetimeFigureOut">
               <a:rPr kumimoji="1" lang="ja-JP" altLang="en-US" smtClean="0"/>
-              <a:t>2022/11/12</a:t>
+              <a:t>2023/3/23</a:t>
             </a:fld>
             <a:endParaRPr kumimoji="1" lang="ja-JP" altLang="en-US"/>
           </a:p>
@@ -2194,7 +2198,7 @@
           <a:p>
             <a:fld id="{626702AC-6BD8-4265-8194-254349EA603F}" type="datetimeFigureOut">
               <a:rPr kumimoji="1" lang="ja-JP" altLang="en-US" smtClean="0"/>
-              <a:t>2022/11/12</a:t>
+              <a:t>2023/3/23</a:t>
             </a:fld>
             <a:endParaRPr kumimoji="1" lang="ja-JP" altLang="en-US"/>
           </a:p>
@@ -2335,7 +2339,7 @@
           <a:p>
             <a:fld id="{626702AC-6BD8-4265-8194-254349EA603F}" type="datetimeFigureOut">
               <a:rPr kumimoji="1" lang="ja-JP" altLang="en-US" smtClean="0"/>
-              <a:t>2022/11/12</a:t>
+              <a:t>2023/3/23</a:t>
             </a:fld>
             <a:endParaRPr kumimoji="1" lang="ja-JP" altLang="en-US"/>
           </a:p>
@@ -2448,7 +2452,7 @@
           <a:p>
             <a:fld id="{626702AC-6BD8-4265-8194-254349EA603F}" type="datetimeFigureOut">
               <a:rPr kumimoji="1" lang="ja-JP" altLang="en-US" smtClean="0"/>
-              <a:t>2022/11/12</a:t>
+              <a:t>2023/3/23</a:t>
             </a:fld>
             <a:endParaRPr kumimoji="1" lang="ja-JP" altLang="en-US"/>
           </a:p>
@@ -2791,7 +2795,7 @@
           <a:p>
             <a:fld id="{626702AC-6BD8-4265-8194-254349EA603F}" type="datetimeFigureOut">
               <a:rPr kumimoji="1" lang="ja-JP" altLang="en-US" smtClean="0"/>
-              <a:t>2022/11/12</a:t>
+              <a:t>2023/3/23</a:t>
             </a:fld>
             <a:endParaRPr kumimoji="1" lang="ja-JP" altLang="en-US"/>
           </a:p>
@@ -3005,7 +3009,7 @@
           <a:p>
             <a:fld id="{626702AC-6BD8-4265-8194-254349EA603F}" type="datetimeFigureOut">
               <a:rPr kumimoji="1" lang="ja-JP" altLang="en-US" smtClean="0"/>
-              <a:t>2022/11/12</a:t>
+              <a:t>2023/3/23</a:t>
             </a:fld>
             <a:endParaRPr kumimoji="1" lang="ja-JP" altLang="en-US"/>
           </a:p>
@@ -3281,7 +3285,7 @@
           <a:p>
             <a:fld id="{626702AC-6BD8-4265-8194-254349EA603F}" type="datetimeFigureOut">
               <a:rPr kumimoji="1" lang="ja-JP" altLang="en-US" smtClean="0"/>
-              <a:t>2022/11/12</a:t>
+              <a:t>2023/3/23</a:t>
             </a:fld>
             <a:endParaRPr kumimoji="1" lang="ja-JP" altLang="en-US"/>
           </a:p>
@@ -3511,7 +3515,7 @@
           <a:p>
             <a:fld id="{626702AC-6BD8-4265-8194-254349EA603F}" type="datetimeFigureOut">
               <a:rPr kumimoji="1" lang="ja-JP" altLang="en-US" smtClean="0"/>
-              <a:t>2022/11/12</a:t>
+              <a:t>2023/3/23</a:t>
             </a:fld>
             <a:endParaRPr kumimoji="1" lang="ja-JP" altLang="en-US"/>
           </a:p>
@@ -3751,7 +3755,7 @@
           <a:p>
             <a:fld id="{626702AC-6BD8-4265-8194-254349EA603F}" type="datetimeFigureOut">
               <a:rPr kumimoji="1" lang="ja-JP" altLang="en-US" smtClean="0"/>
-              <a:t>2022/11/12</a:t>
+              <a:t>2023/3/23</a:t>
             </a:fld>
             <a:endParaRPr kumimoji="1" lang="ja-JP" altLang="en-US"/>
           </a:p>
@@ -4014,7 +4018,7 @@
           <a:p>
             <a:fld id="{626702AC-6BD8-4265-8194-254349EA603F}" type="datetimeFigureOut">
               <a:rPr kumimoji="1" lang="ja-JP" altLang="en-US" smtClean="0"/>
-              <a:t>2022/11/12</a:t>
+              <a:t>2023/3/23</a:t>
             </a:fld>
             <a:endParaRPr kumimoji="1" lang="ja-JP" altLang="en-US"/>
           </a:p>
@@ -4310,7 +4314,7 @@
           <a:p>
             <a:fld id="{626702AC-6BD8-4265-8194-254349EA603F}" type="datetimeFigureOut">
               <a:rPr kumimoji="1" lang="ja-JP" altLang="en-US" smtClean="0"/>
-              <a:t>2022/11/12</a:t>
+              <a:t>2023/3/23</a:t>
             </a:fld>
             <a:endParaRPr kumimoji="1" lang="ja-JP" altLang="en-US"/>
           </a:p>
@@ -4721,7 +4725,7 @@
           <a:p>
             <a:fld id="{626702AC-6BD8-4265-8194-254349EA603F}" type="datetimeFigureOut">
               <a:rPr kumimoji="1" lang="ja-JP" altLang="en-US" smtClean="0"/>
-              <a:t>2022/11/12</a:t>
+              <a:t>2023/3/23</a:t>
             </a:fld>
             <a:endParaRPr kumimoji="1" lang="ja-JP" altLang="en-US"/>
           </a:p>
@@ -4839,7 +4843,7 @@
           <a:p>
             <a:fld id="{626702AC-6BD8-4265-8194-254349EA603F}" type="datetimeFigureOut">
               <a:rPr kumimoji="1" lang="ja-JP" altLang="en-US" smtClean="0"/>
-              <a:t>2022/11/12</a:t>
+              <a:t>2023/3/23</a:t>
             </a:fld>
             <a:endParaRPr kumimoji="1" lang="ja-JP" altLang="en-US"/>
           </a:p>
@@ -4957,7 +4961,7 @@
           <a:p>
             <a:fld id="{626702AC-6BD8-4265-8194-254349EA603F}" type="datetimeFigureOut">
               <a:rPr kumimoji="1" lang="ja-JP" altLang="en-US" smtClean="0"/>
-              <a:t>2022/11/12</a:t>
+              <a:t>2023/3/23</a:t>
             </a:fld>
             <a:endParaRPr kumimoji="1" lang="ja-JP" altLang="en-US"/>
           </a:p>
@@ -5273,7 +5277,7 @@
           <a:p>
             <a:fld id="{626702AC-6BD8-4265-8194-254349EA603F}" type="datetimeFigureOut">
               <a:rPr kumimoji="1" lang="ja-JP" altLang="en-US" smtClean="0"/>
-              <a:t>2022/11/12</a:t>
+              <a:t>2023/3/23</a:t>
             </a:fld>
             <a:endParaRPr kumimoji="1" lang="ja-JP" altLang="en-US"/>
           </a:p>
@@ -5537,7 +5541,7 @@
           <a:p>
             <a:fld id="{626702AC-6BD8-4265-8194-254349EA603F}" type="datetimeFigureOut">
               <a:rPr kumimoji="1" lang="ja-JP" altLang="en-US" smtClean="0"/>
-              <a:t>2022/11/12</a:t>
+              <a:t>2023/3/23</a:t>
             </a:fld>
             <a:endParaRPr kumimoji="1" lang="ja-JP" altLang="en-US"/>
           </a:p>
@@ -5783,7 +5787,7 @@
           <a:p>
             <a:fld id="{626702AC-6BD8-4265-8194-254349EA603F}" type="datetimeFigureOut">
               <a:rPr kumimoji="1" lang="ja-JP" altLang="en-US" smtClean="0"/>
-              <a:t>2022/11/12</a:t>
+              <a:t>2023/3/23</a:t>
             </a:fld>
             <a:endParaRPr kumimoji="1" lang="ja-JP" altLang="en-US"/>
           </a:p>
@@ -6360,7 +6364,7 @@
           <a:p>
             <a:fld id="{626702AC-6BD8-4265-8194-254349EA603F}" type="datetimeFigureOut">
               <a:rPr kumimoji="1" lang="ja-JP" altLang="en-US" smtClean="0"/>
-              <a:t>2022/11/12</a:t>
+              <a:t>2023/3/23</a:t>
             </a:fld>
             <a:endParaRPr kumimoji="1" lang="ja-JP" altLang="en-US"/>
           </a:p>
@@ -7560,6 +7564,482 @@
 </p:sld>
 </file>
 
+<file path=ppt/slides/slide10.xml><?xml version="1.0" encoding="utf-8"?>
+<p:sld xmlns:a="http://schemas.openxmlformats.org/drawingml/2006/main" xmlns:r="http://schemas.openxmlformats.org/officeDocument/2006/relationships" xmlns:p="http://schemas.openxmlformats.org/presentationml/2006/main">
+  <p:cSld>
+    <p:spTree>
+      <p:nvGrpSpPr>
+        <p:cNvPr id="1" name=""/>
+        <p:cNvGrpSpPr/>
+        <p:nvPr/>
+      </p:nvGrpSpPr>
+      <p:grpSpPr>
+        <a:xfrm>
+          <a:off x="0" y="0"/>
+          <a:ext cx="0" cy="0"/>
+          <a:chOff x="0" y="0"/>
+          <a:chExt cx="0" cy="0"/>
+        </a:xfrm>
+      </p:grpSpPr>
+      <p:pic>
+        <p:nvPicPr>
+          <p:cNvPr id="5" name="図 4">
+            <a:extLst>
+              <a:ext uri="{FF2B5EF4-FFF2-40B4-BE49-F238E27FC236}">
+                <a16:creationId xmlns:a16="http://schemas.microsoft.com/office/drawing/2014/main" id="{5E74D676-FC50-6128-3724-9E2958FDF9D0}"/>
+              </a:ext>
+            </a:extLst>
+          </p:cNvPr>
+          <p:cNvPicPr>
+            <a:picLocks noChangeAspect="1"/>
+          </p:cNvPicPr>
+          <p:nvPr/>
+        </p:nvPicPr>
+        <p:blipFill>
+          <a:blip r:embed="rId2"/>
+          <a:stretch>
+            <a:fillRect/>
+          </a:stretch>
+        </p:blipFill>
+        <p:spPr>
+          <a:xfrm>
+            <a:off x="1814774" y="0"/>
+            <a:ext cx="8562451" cy="6858000"/>
+          </a:xfrm>
+          <a:prstGeom prst="rect">
+            <a:avLst/>
+          </a:prstGeom>
+        </p:spPr>
+      </p:pic>
+    </p:spTree>
+    <p:extLst>
+      <p:ext uri="{BB962C8B-B14F-4D97-AF65-F5344CB8AC3E}">
+        <p14:creationId xmlns:p14="http://schemas.microsoft.com/office/powerpoint/2010/main" val="1439392465"/>
+      </p:ext>
+    </p:extLst>
+  </p:cSld>
+  <p:clrMapOvr>
+    <a:masterClrMapping/>
+  </p:clrMapOvr>
+</p:sld>
+</file>
+
+<file path=ppt/slides/slide11.xml><?xml version="1.0" encoding="utf-8"?>
+<p:sld xmlns:a="http://schemas.openxmlformats.org/drawingml/2006/main" xmlns:r="http://schemas.openxmlformats.org/officeDocument/2006/relationships" xmlns:p="http://schemas.openxmlformats.org/presentationml/2006/main">
+  <p:cSld>
+    <p:spTree>
+      <p:nvGrpSpPr>
+        <p:cNvPr id="1" name=""/>
+        <p:cNvGrpSpPr/>
+        <p:nvPr/>
+      </p:nvGrpSpPr>
+      <p:grpSpPr>
+        <a:xfrm>
+          <a:off x="0" y="0"/>
+          <a:ext cx="0" cy="0"/>
+          <a:chOff x="0" y="0"/>
+          <a:chExt cx="0" cy="0"/>
+        </a:xfrm>
+      </p:grpSpPr>
+      <p:sp>
+        <p:nvSpPr>
+          <p:cNvPr id="2" name="正方形/長方形 1">
+            <a:extLst>
+              <a:ext uri="{FF2B5EF4-FFF2-40B4-BE49-F238E27FC236}">
+                <a16:creationId xmlns:a16="http://schemas.microsoft.com/office/drawing/2014/main" id="{4BF4AFC4-F3C0-D5FE-6D57-D79D7E4A2F5F}"/>
+              </a:ext>
+            </a:extLst>
+          </p:cNvPr>
+          <p:cNvSpPr/>
+          <p:nvPr/>
+        </p:nvSpPr>
+        <p:spPr>
+          <a:xfrm>
+            <a:off x="3079856" y="1119808"/>
+            <a:ext cx="3077155" cy="653333"/>
+          </a:xfrm>
+          <a:prstGeom prst="rect">
+            <a:avLst/>
+          </a:prstGeom>
+          <a:ln w="76200">
+            <a:solidFill>
+              <a:schemeClr val="bg1"/>
+            </a:solidFill>
+          </a:ln>
+        </p:spPr>
+        <p:style>
+          <a:lnRef idx="2">
+            <a:schemeClr val="accent1">
+              <a:shade val="50000"/>
+            </a:schemeClr>
+          </a:lnRef>
+          <a:fillRef idx="1">
+            <a:schemeClr val="accent1"/>
+          </a:fillRef>
+          <a:effectRef idx="0">
+            <a:schemeClr val="accent1"/>
+          </a:effectRef>
+          <a:fontRef idx="minor">
+            <a:schemeClr val="lt1"/>
+          </a:fontRef>
+        </p:style>
+        <p:txBody>
+          <a:bodyPr rtlCol="0" anchor="ctr"/>
+          <a:lstStyle/>
+          <a:p>
+            <a:pPr algn="ctr"/>
+            <a:r>
+              <a:rPr kumimoji="1" lang="ja-JP" altLang="en-US" dirty="0"/>
+              <a:t>プレゼンテーション</a:t>
+            </a:r>
+          </a:p>
+        </p:txBody>
+      </p:sp>
+      <p:sp>
+        <p:nvSpPr>
+          <p:cNvPr id="3" name="正方形/長方形 2">
+            <a:extLst>
+              <a:ext uri="{FF2B5EF4-FFF2-40B4-BE49-F238E27FC236}">
+                <a16:creationId xmlns:a16="http://schemas.microsoft.com/office/drawing/2014/main" id="{2ABFB843-A9D0-399D-0663-28BC0BF86B03}"/>
+              </a:ext>
+            </a:extLst>
+          </p:cNvPr>
+          <p:cNvSpPr/>
+          <p:nvPr/>
+        </p:nvSpPr>
+        <p:spPr>
+          <a:xfrm>
+            <a:off x="3079856" y="1773141"/>
+            <a:ext cx="3077155" cy="653333"/>
+          </a:xfrm>
+          <a:prstGeom prst="rect">
+            <a:avLst/>
+          </a:prstGeom>
+          <a:ln w="76200">
+            <a:solidFill>
+              <a:schemeClr val="bg1"/>
+            </a:solidFill>
+          </a:ln>
+        </p:spPr>
+        <p:style>
+          <a:lnRef idx="2">
+            <a:schemeClr val="accent1">
+              <a:shade val="50000"/>
+            </a:schemeClr>
+          </a:lnRef>
+          <a:fillRef idx="1">
+            <a:schemeClr val="accent1"/>
+          </a:fillRef>
+          <a:effectRef idx="0">
+            <a:schemeClr val="accent1"/>
+          </a:effectRef>
+          <a:fontRef idx="minor">
+            <a:schemeClr val="lt1"/>
+          </a:fontRef>
+        </p:style>
+        <p:txBody>
+          <a:bodyPr rtlCol="0" anchor="ctr"/>
+          <a:lstStyle/>
+          <a:p>
+            <a:pPr algn="ctr"/>
+            <a:r>
+              <a:rPr kumimoji="1" lang="ja-JP" altLang="en-US" dirty="0"/>
+              <a:t>ユースケース</a:t>
+            </a:r>
+          </a:p>
+        </p:txBody>
+      </p:sp>
+      <p:sp>
+        <p:nvSpPr>
+          <p:cNvPr id="4" name="正方形/長方形 3">
+            <a:extLst>
+              <a:ext uri="{FF2B5EF4-FFF2-40B4-BE49-F238E27FC236}">
+                <a16:creationId xmlns:a16="http://schemas.microsoft.com/office/drawing/2014/main" id="{E8CAAAA9-2968-2358-2664-72F40970DC64}"/>
+              </a:ext>
+            </a:extLst>
+          </p:cNvPr>
+          <p:cNvSpPr/>
+          <p:nvPr/>
+        </p:nvSpPr>
+        <p:spPr>
+          <a:xfrm>
+            <a:off x="3079856" y="2426474"/>
+            <a:ext cx="3077155" cy="653333"/>
+          </a:xfrm>
+          <a:prstGeom prst="rect">
+            <a:avLst/>
+          </a:prstGeom>
+          <a:ln w="76200">
+            <a:solidFill>
+              <a:schemeClr val="bg1"/>
+            </a:solidFill>
+          </a:ln>
+        </p:spPr>
+        <p:style>
+          <a:lnRef idx="2">
+            <a:schemeClr val="accent1">
+              <a:shade val="50000"/>
+            </a:schemeClr>
+          </a:lnRef>
+          <a:fillRef idx="1">
+            <a:schemeClr val="accent1"/>
+          </a:fillRef>
+          <a:effectRef idx="0">
+            <a:schemeClr val="accent1"/>
+          </a:effectRef>
+          <a:fontRef idx="minor">
+            <a:schemeClr val="lt1"/>
+          </a:fontRef>
+        </p:style>
+        <p:txBody>
+          <a:bodyPr rtlCol="0" anchor="ctr"/>
+          <a:lstStyle/>
+          <a:p>
+            <a:pPr algn="ctr"/>
+            <a:r>
+              <a:rPr kumimoji="1" lang="ja-JP" altLang="en-US" dirty="0"/>
+              <a:t>ドメイン</a:t>
+            </a:r>
+          </a:p>
+        </p:txBody>
+      </p:sp>
+      <p:sp>
+        <p:nvSpPr>
+          <p:cNvPr id="5" name="正方形/長方形 4">
+            <a:extLst>
+              <a:ext uri="{FF2B5EF4-FFF2-40B4-BE49-F238E27FC236}">
+                <a16:creationId xmlns:a16="http://schemas.microsoft.com/office/drawing/2014/main" id="{AC8AB621-9C80-7B5B-397C-845DAC08584B}"/>
+              </a:ext>
+            </a:extLst>
+          </p:cNvPr>
+          <p:cNvSpPr/>
+          <p:nvPr/>
+        </p:nvSpPr>
+        <p:spPr>
+          <a:xfrm>
+            <a:off x="3079856" y="3079807"/>
+            <a:ext cx="3077155" cy="653333"/>
+          </a:xfrm>
+          <a:prstGeom prst="rect">
+            <a:avLst/>
+          </a:prstGeom>
+          <a:ln w="76200">
+            <a:solidFill>
+              <a:schemeClr val="bg1"/>
+            </a:solidFill>
+          </a:ln>
+        </p:spPr>
+        <p:style>
+          <a:lnRef idx="2">
+            <a:schemeClr val="accent1">
+              <a:shade val="50000"/>
+            </a:schemeClr>
+          </a:lnRef>
+          <a:fillRef idx="1">
+            <a:schemeClr val="accent1"/>
+          </a:fillRef>
+          <a:effectRef idx="0">
+            <a:schemeClr val="accent1"/>
+          </a:effectRef>
+          <a:fontRef idx="minor">
+            <a:schemeClr val="lt1"/>
+          </a:fontRef>
+        </p:style>
+        <p:txBody>
+          <a:bodyPr rtlCol="0" anchor="ctr"/>
+          <a:lstStyle/>
+          <a:p>
+            <a:pPr algn="ctr"/>
+            <a:r>
+              <a:rPr kumimoji="1" lang="ja-JP" altLang="en-US" dirty="0"/>
+              <a:t>リポジトリ実装</a:t>
+            </a:r>
+          </a:p>
+        </p:txBody>
+      </p:sp>
+      <p:sp>
+        <p:nvSpPr>
+          <p:cNvPr id="6" name="矢印: 下 5">
+            <a:extLst>
+              <a:ext uri="{FF2B5EF4-FFF2-40B4-BE49-F238E27FC236}">
+                <a16:creationId xmlns:a16="http://schemas.microsoft.com/office/drawing/2014/main" id="{CE6E29C7-0B90-1B59-F55D-D1F90E6BAB4D}"/>
+              </a:ext>
+            </a:extLst>
+          </p:cNvPr>
+          <p:cNvSpPr/>
+          <p:nvPr/>
+        </p:nvSpPr>
+        <p:spPr>
+          <a:xfrm>
+            <a:off x="6225591" y="1160611"/>
+            <a:ext cx="135172" cy="2531726"/>
+          </a:xfrm>
+          <a:prstGeom prst="downArrow">
+            <a:avLst/>
+          </a:prstGeom>
+        </p:spPr>
+        <p:style>
+          <a:lnRef idx="2">
+            <a:schemeClr val="accent1">
+              <a:shade val="50000"/>
+            </a:schemeClr>
+          </a:lnRef>
+          <a:fillRef idx="1">
+            <a:schemeClr val="accent1"/>
+          </a:fillRef>
+          <a:effectRef idx="0">
+            <a:schemeClr val="accent1"/>
+          </a:effectRef>
+          <a:fontRef idx="minor">
+            <a:schemeClr val="lt1"/>
+          </a:fontRef>
+        </p:style>
+        <p:txBody>
+          <a:bodyPr rtlCol="0" anchor="ctr"/>
+          <a:lstStyle/>
+          <a:p>
+            <a:pPr algn="ctr"/>
+            <a:endParaRPr kumimoji="1" lang="ja-JP" altLang="en-US"/>
+          </a:p>
+        </p:txBody>
+      </p:sp>
+    </p:spTree>
+    <p:extLst>
+      <p:ext uri="{BB962C8B-B14F-4D97-AF65-F5344CB8AC3E}">
+        <p14:creationId xmlns:p14="http://schemas.microsoft.com/office/powerpoint/2010/main" val="1058976698"/>
+      </p:ext>
+    </p:extLst>
+  </p:cSld>
+  <p:clrMapOvr>
+    <a:masterClrMapping/>
+  </p:clrMapOvr>
+</p:sld>
+</file>
+
+<file path=ppt/slides/slide12.xml><?xml version="1.0" encoding="utf-8"?>
+<p:sld xmlns:a="http://schemas.openxmlformats.org/drawingml/2006/main" xmlns:r="http://schemas.openxmlformats.org/officeDocument/2006/relationships" xmlns:p="http://schemas.openxmlformats.org/presentationml/2006/main">
+  <p:cSld>
+    <p:spTree>
+      <p:nvGrpSpPr>
+        <p:cNvPr id="1" name=""/>
+        <p:cNvGrpSpPr/>
+        <p:nvPr/>
+      </p:nvGrpSpPr>
+      <p:grpSpPr>
+        <a:xfrm>
+          <a:off x="0" y="0"/>
+          <a:ext cx="0" cy="0"/>
+          <a:chOff x="0" y="0"/>
+          <a:chExt cx="0" cy="0"/>
+        </a:xfrm>
+      </p:grpSpPr>
+      <p:sp>
+        <p:nvSpPr>
+          <p:cNvPr id="3" name="楕円 2">
+            <a:extLst>
+              <a:ext uri="{FF2B5EF4-FFF2-40B4-BE49-F238E27FC236}">
+                <a16:creationId xmlns:a16="http://schemas.microsoft.com/office/drawing/2014/main" id="{FD5F7EEE-98CD-3F37-082F-E28F6540080E}"/>
+              </a:ext>
+            </a:extLst>
+          </p:cNvPr>
+          <p:cNvSpPr/>
+          <p:nvPr/>
+        </p:nvSpPr>
+        <p:spPr>
+          <a:xfrm>
+            <a:off x="3698681" y="1146312"/>
+            <a:ext cx="3616519" cy="3537005"/>
+          </a:xfrm>
+          <a:prstGeom prst="ellipse">
+            <a:avLst/>
+          </a:prstGeom>
+        </p:spPr>
+        <p:style>
+          <a:lnRef idx="2">
+            <a:schemeClr val="accent1"/>
+          </a:lnRef>
+          <a:fillRef idx="1">
+            <a:schemeClr val="lt1"/>
+          </a:fillRef>
+          <a:effectRef idx="0">
+            <a:schemeClr val="accent1"/>
+          </a:effectRef>
+          <a:fontRef idx="minor">
+            <a:schemeClr val="dk1"/>
+          </a:fontRef>
+        </p:style>
+        <p:txBody>
+          <a:bodyPr tIns="0" bIns="0" rtlCol="0" anchor="t"/>
+          <a:lstStyle/>
+          <a:p>
+            <a:pPr algn="ctr"/>
+            <a:r>
+              <a:rPr kumimoji="1" lang="ja-JP" altLang="en-US" sz="1600" dirty="0"/>
+              <a:t>業務ドメイン</a:t>
+            </a:r>
+          </a:p>
+        </p:txBody>
+      </p:sp>
+      <p:sp>
+        <p:nvSpPr>
+          <p:cNvPr id="2" name="楕円 1">
+            <a:extLst>
+              <a:ext uri="{FF2B5EF4-FFF2-40B4-BE49-F238E27FC236}">
+                <a16:creationId xmlns:a16="http://schemas.microsoft.com/office/drawing/2014/main" id="{040A39A3-9F67-7359-C350-707FD74EAB6B}"/>
+              </a:ext>
+            </a:extLst>
+          </p:cNvPr>
+          <p:cNvSpPr/>
+          <p:nvPr/>
+        </p:nvSpPr>
+        <p:spPr>
+          <a:xfrm>
+            <a:off x="4428877" y="1916264"/>
+            <a:ext cx="2146853" cy="1987826"/>
+          </a:xfrm>
+          <a:prstGeom prst="ellipse">
+            <a:avLst/>
+          </a:prstGeom>
+        </p:spPr>
+        <p:style>
+          <a:lnRef idx="2">
+            <a:schemeClr val="accent1"/>
+          </a:lnRef>
+          <a:fillRef idx="1">
+            <a:schemeClr val="lt1"/>
+          </a:fillRef>
+          <a:effectRef idx="0">
+            <a:schemeClr val="accent1"/>
+          </a:effectRef>
+          <a:fontRef idx="minor">
+            <a:schemeClr val="dk1"/>
+          </a:fontRef>
+        </p:style>
+        <p:txBody>
+          <a:bodyPr tIns="0" bIns="0" rtlCol="0" anchor="t"/>
+          <a:lstStyle/>
+          <a:p>
+            <a:pPr algn="ctr"/>
+            <a:r>
+              <a:rPr kumimoji="1" lang="ja-JP" altLang="en-US" sz="1600" dirty="0"/>
+              <a:t>企業ドメイン</a:t>
+            </a:r>
+          </a:p>
+        </p:txBody>
+      </p:sp>
+    </p:spTree>
+    <p:extLst>
+      <p:ext uri="{BB962C8B-B14F-4D97-AF65-F5344CB8AC3E}">
+        <p14:creationId xmlns:p14="http://schemas.microsoft.com/office/powerpoint/2010/main" val="3590355486"/>
+      </p:ext>
+    </p:extLst>
+  </p:cSld>
+  <p:clrMapOvr>
+    <a:masterClrMapping/>
+  </p:clrMapOvr>
+</p:sld>
+</file>
+
 <file path=ppt/slides/slide2.xml><?xml version="1.0" encoding="utf-8"?>
 <p:sld xmlns:a="http://schemas.openxmlformats.org/drawingml/2006/main" xmlns:r="http://schemas.openxmlformats.org/officeDocument/2006/relationships" xmlns:p="http://schemas.openxmlformats.org/presentationml/2006/main">
   <p:cSld>
@@ -12144,6 +12624,422 @@
     <p:extLst>
       <p:ext uri="{BB962C8B-B14F-4D97-AF65-F5344CB8AC3E}">
         <p14:creationId xmlns:p14="http://schemas.microsoft.com/office/powerpoint/2010/main" val="1774639305"/>
+      </p:ext>
+    </p:extLst>
+  </p:cSld>
+  <p:clrMapOvr>
+    <a:masterClrMapping/>
+  </p:clrMapOvr>
+</p:sld>
+</file>
+
+<file path=ppt/slides/slide9.xml><?xml version="1.0" encoding="utf-8"?>
+<p:sld xmlns:a="http://schemas.openxmlformats.org/drawingml/2006/main" xmlns:r="http://schemas.openxmlformats.org/officeDocument/2006/relationships" xmlns:p="http://schemas.openxmlformats.org/presentationml/2006/main">
+  <p:cSld>
+    <p:spTree>
+      <p:nvGrpSpPr>
+        <p:cNvPr id="1" name=""/>
+        <p:cNvGrpSpPr/>
+        <p:nvPr/>
+      </p:nvGrpSpPr>
+      <p:grpSpPr>
+        <a:xfrm>
+          <a:off x="0" y="0"/>
+          <a:ext cx="0" cy="0"/>
+          <a:chOff x="0" y="0"/>
+          <a:chExt cx="0" cy="0"/>
+        </a:xfrm>
+      </p:grpSpPr>
+      <p:sp>
+        <p:nvSpPr>
+          <p:cNvPr id="2" name="正方形/長方形 1">
+            <a:extLst>
+              <a:ext uri="{FF2B5EF4-FFF2-40B4-BE49-F238E27FC236}">
+                <a16:creationId xmlns:a16="http://schemas.microsoft.com/office/drawing/2014/main" id="{808FA836-D815-EF0F-EC9B-C53EC621CE18}"/>
+              </a:ext>
+            </a:extLst>
+          </p:cNvPr>
+          <p:cNvSpPr/>
+          <p:nvPr/>
+        </p:nvSpPr>
+        <p:spPr>
+          <a:xfrm>
+            <a:off x="1592962" y="547314"/>
+            <a:ext cx="3077155" cy="1796995"/>
+          </a:xfrm>
+          <a:prstGeom prst="rect">
+            <a:avLst/>
+          </a:prstGeom>
+          <a:ln w="76200">
+            <a:solidFill>
+              <a:schemeClr val="bg1"/>
+            </a:solidFill>
+          </a:ln>
+        </p:spPr>
+        <p:style>
+          <a:lnRef idx="2">
+            <a:schemeClr val="accent1">
+              <a:shade val="50000"/>
+            </a:schemeClr>
+          </a:lnRef>
+          <a:fillRef idx="1">
+            <a:schemeClr val="accent1"/>
+          </a:fillRef>
+          <a:effectRef idx="0">
+            <a:schemeClr val="accent1"/>
+          </a:effectRef>
+          <a:fontRef idx="minor">
+            <a:schemeClr val="lt1"/>
+          </a:fontRef>
+        </p:style>
+        <p:txBody>
+          <a:bodyPr rtlCol="0" anchor="ctr"/>
+          <a:lstStyle/>
+          <a:p>
+            <a:pPr algn="ctr"/>
+            <a:r>
+              <a:rPr kumimoji="1" lang="ja-JP" altLang="en-US" dirty="0"/>
+              <a:t>論理ビュー</a:t>
+            </a:r>
+          </a:p>
+        </p:txBody>
+      </p:sp>
+      <p:sp>
+        <p:nvSpPr>
+          <p:cNvPr id="3" name="正方形/長方形 2">
+            <a:extLst>
+              <a:ext uri="{FF2B5EF4-FFF2-40B4-BE49-F238E27FC236}">
+                <a16:creationId xmlns:a16="http://schemas.microsoft.com/office/drawing/2014/main" id="{AF000A35-28B8-3C3E-ABC3-E5733C4DB400}"/>
+              </a:ext>
+            </a:extLst>
+          </p:cNvPr>
+          <p:cNvSpPr/>
+          <p:nvPr/>
+        </p:nvSpPr>
+        <p:spPr>
+          <a:xfrm>
+            <a:off x="1592962" y="4753204"/>
+            <a:ext cx="3077155" cy="1796995"/>
+          </a:xfrm>
+          <a:prstGeom prst="rect">
+            <a:avLst/>
+          </a:prstGeom>
+          <a:ln w="76200">
+            <a:solidFill>
+              <a:schemeClr val="bg1"/>
+            </a:solidFill>
+          </a:ln>
+        </p:spPr>
+        <p:style>
+          <a:lnRef idx="2">
+            <a:schemeClr val="accent1">
+              <a:shade val="50000"/>
+            </a:schemeClr>
+          </a:lnRef>
+          <a:fillRef idx="1">
+            <a:schemeClr val="accent1"/>
+          </a:fillRef>
+          <a:effectRef idx="0">
+            <a:schemeClr val="accent1"/>
+          </a:effectRef>
+          <a:fontRef idx="minor">
+            <a:schemeClr val="lt1"/>
+          </a:fontRef>
+        </p:style>
+        <p:txBody>
+          <a:bodyPr rtlCol="0" anchor="ctr"/>
+          <a:lstStyle/>
+          <a:p>
+            <a:pPr algn="ctr"/>
+            <a:r>
+              <a:rPr kumimoji="1" lang="ja-JP" altLang="en-US" dirty="0"/>
+              <a:t>実装ビュー</a:t>
+            </a:r>
+          </a:p>
+        </p:txBody>
+      </p:sp>
+      <p:sp>
+        <p:nvSpPr>
+          <p:cNvPr id="4" name="正方形/長方形 3">
+            <a:extLst>
+              <a:ext uri="{FF2B5EF4-FFF2-40B4-BE49-F238E27FC236}">
+                <a16:creationId xmlns:a16="http://schemas.microsoft.com/office/drawing/2014/main" id="{4BF6775E-B703-0937-683B-4A319274FFD8}"/>
+              </a:ext>
+            </a:extLst>
+          </p:cNvPr>
+          <p:cNvSpPr/>
+          <p:nvPr/>
+        </p:nvSpPr>
+        <p:spPr>
+          <a:xfrm>
+            <a:off x="7130366" y="506893"/>
+            <a:ext cx="3077155" cy="1796995"/>
+          </a:xfrm>
+          <a:prstGeom prst="rect">
+            <a:avLst/>
+          </a:prstGeom>
+          <a:ln w="76200">
+            <a:solidFill>
+              <a:schemeClr val="bg1"/>
+            </a:solidFill>
+          </a:ln>
+        </p:spPr>
+        <p:style>
+          <a:lnRef idx="2">
+            <a:schemeClr val="accent1">
+              <a:shade val="50000"/>
+            </a:schemeClr>
+          </a:lnRef>
+          <a:fillRef idx="1">
+            <a:schemeClr val="accent1"/>
+          </a:fillRef>
+          <a:effectRef idx="0">
+            <a:schemeClr val="accent1"/>
+          </a:effectRef>
+          <a:fontRef idx="minor">
+            <a:schemeClr val="lt1"/>
+          </a:fontRef>
+        </p:style>
+        <p:txBody>
+          <a:bodyPr rtlCol="0" anchor="ctr"/>
+          <a:lstStyle/>
+          <a:p>
+            <a:pPr algn="ctr"/>
+            <a:r>
+              <a:rPr kumimoji="1" lang="ja-JP" altLang="en-US" dirty="0"/>
+              <a:t>配置ビュー</a:t>
+            </a:r>
+          </a:p>
+        </p:txBody>
+      </p:sp>
+      <p:sp>
+        <p:nvSpPr>
+          <p:cNvPr id="5" name="正方形/長方形 4">
+            <a:extLst>
+              <a:ext uri="{FF2B5EF4-FFF2-40B4-BE49-F238E27FC236}">
+                <a16:creationId xmlns:a16="http://schemas.microsoft.com/office/drawing/2014/main" id="{27B07E03-B8D1-FBAB-1F7C-E63DCFDD174A}"/>
+              </a:ext>
+            </a:extLst>
+          </p:cNvPr>
+          <p:cNvSpPr/>
+          <p:nvPr/>
+        </p:nvSpPr>
+        <p:spPr>
+          <a:xfrm>
+            <a:off x="7130366" y="4753203"/>
+            <a:ext cx="3077155" cy="1796995"/>
+          </a:xfrm>
+          <a:prstGeom prst="rect">
+            <a:avLst/>
+          </a:prstGeom>
+          <a:ln w="76200">
+            <a:solidFill>
+              <a:schemeClr val="bg1"/>
+            </a:solidFill>
+          </a:ln>
+        </p:spPr>
+        <p:style>
+          <a:lnRef idx="2">
+            <a:schemeClr val="accent1">
+              <a:shade val="50000"/>
+            </a:schemeClr>
+          </a:lnRef>
+          <a:fillRef idx="1">
+            <a:schemeClr val="accent1"/>
+          </a:fillRef>
+          <a:effectRef idx="0">
+            <a:schemeClr val="accent1"/>
+          </a:effectRef>
+          <a:fontRef idx="minor">
+            <a:schemeClr val="lt1"/>
+          </a:fontRef>
+        </p:style>
+        <p:txBody>
+          <a:bodyPr rtlCol="0" anchor="ctr"/>
+          <a:lstStyle/>
+          <a:p>
+            <a:pPr algn="ctr"/>
+            <a:r>
+              <a:rPr kumimoji="1" lang="ja-JP" altLang="en-US" dirty="0"/>
+              <a:t>プロセスビュー</a:t>
+            </a:r>
+          </a:p>
+        </p:txBody>
+      </p:sp>
+      <p:sp>
+        <p:nvSpPr>
+          <p:cNvPr id="6" name="正方形/長方形 5">
+            <a:extLst>
+              <a:ext uri="{FF2B5EF4-FFF2-40B4-BE49-F238E27FC236}">
+                <a16:creationId xmlns:a16="http://schemas.microsoft.com/office/drawing/2014/main" id="{044BBA71-AEA5-14C8-970F-30AF2B95F999}"/>
+              </a:ext>
+            </a:extLst>
+          </p:cNvPr>
+          <p:cNvSpPr/>
+          <p:nvPr/>
+        </p:nvSpPr>
+        <p:spPr>
+          <a:xfrm>
+            <a:off x="5971882" y="3429000"/>
+            <a:ext cx="3077155" cy="1796995"/>
+          </a:xfrm>
+          <a:prstGeom prst="rect">
+            <a:avLst/>
+          </a:prstGeom>
+          <a:ln w="76200">
+            <a:solidFill>
+              <a:schemeClr val="bg1"/>
+            </a:solidFill>
+          </a:ln>
+        </p:spPr>
+        <p:style>
+          <a:lnRef idx="2">
+            <a:schemeClr val="accent1">
+              <a:shade val="50000"/>
+            </a:schemeClr>
+          </a:lnRef>
+          <a:fillRef idx="1">
+            <a:schemeClr val="accent1"/>
+          </a:fillRef>
+          <a:effectRef idx="0">
+            <a:schemeClr val="accent1"/>
+          </a:effectRef>
+          <a:fontRef idx="minor">
+            <a:schemeClr val="lt1"/>
+          </a:fontRef>
+        </p:style>
+        <p:txBody>
+          <a:bodyPr rtlCol="0" anchor="ctr"/>
+          <a:lstStyle/>
+          <a:p>
+            <a:pPr algn="ctr"/>
+            <a:r>
+              <a:rPr kumimoji="1" lang="ja-JP" altLang="en-US" dirty="0"/>
+              <a:t>ユースケース ビュー</a:t>
+            </a:r>
+          </a:p>
+        </p:txBody>
+      </p:sp>
+      <p:sp>
+        <p:nvSpPr>
+          <p:cNvPr id="7" name="正方形/長方形 6">
+            <a:extLst>
+              <a:ext uri="{FF2B5EF4-FFF2-40B4-BE49-F238E27FC236}">
+                <a16:creationId xmlns:a16="http://schemas.microsoft.com/office/drawing/2014/main" id="{11C64527-8A58-1C28-5C66-FAC015DD7B9D}"/>
+              </a:ext>
+            </a:extLst>
+          </p:cNvPr>
+          <p:cNvSpPr/>
+          <p:nvPr/>
+        </p:nvSpPr>
+        <p:spPr>
+          <a:xfrm>
+            <a:off x="2748882" y="3429000"/>
+            <a:ext cx="3077155" cy="1796995"/>
+          </a:xfrm>
+          <a:prstGeom prst="rect">
+            <a:avLst/>
+          </a:prstGeom>
+          <a:ln w="76200">
+            <a:solidFill>
+              <a:schemeClr val="bg1"/>
+            </a:solidFill>
+          </a:ln>
+        </p:spPr>
+        <p:style>
+          <a:lnRef idx="2">
+            <a:schemeClr val="accent1">
+              <a:shade val="50000"/>
+            </a:schemeClr>
+          </a:lnRef>
+          <a:fillRef idx="1">
+            <a:schemeClr val="accent1"/>
+          </a:fillRef>
+          <a:effectRef idx="0">
+            <a:schemeClr val="accent1"/>
+          </a:effectRef>
+          <a:fontRef idx="minor">
+            <a:schemeClr val="lt1"/>
+          </a:fontRef>
+        </p:style>
+        <p:txBody>
+          <a:bodyPr rtlCol="0" anchor="ctr"/>
+          <a:lstStyle/>
+          <a:p>
+            <a:pPr algn="ctr"/>
+            <a:r>
+              <a:rPr kumimoji="1" lang="ja-JP" altLang="en-US" dirty="0"/>
+              <a:t>非機能要件ビュー</a:t>
+            </a:r>
+          </a:p>
+        </p:txBody>
+      </p:sp>
+      <p:sp>
+        <p:nvSpPr>
+          <p:cNvPr id="8" name="正方形/長方形 7">
+            <a:extLst>
+              <a:ext uri="{FF2B5EF4-FFF2-40B4-BE49-F238E27FC236}">
+                <a16:creationId xmlns:a16="http://schemas.microsoft.com/office/drawing/2014/main" id="{97547B36-AEFC-573A-5EC7-73E9B98A0172}"/>
+              </a:ext>
+            </a:extLst>
+          </p:cNvPr>
+          <p:cNvSpPr/>
+          <p:nvPr/>
+        </p:nvSpPr>
+        <p:spPr>
+          <a:xfrm>
+            <a:off x="4287459" y="1595562"/>
+            <a:ext cx="3077155" cy="1796995"/>
+          </a:xfrm>
+          <a:prstGeom prst="rect">
+            <a:avLst/>
+          </a:prstGeom>
+          <a:ln w="76200">
+            <a:solidFill>
+              <a:schemeClr val="bg1"/>
+            </a:solidFill>
+          </a:ln>
+        </p:spPr>
+        <p:style>
+          <a:lnRef idx="2">
+            <a:schemeClr val="accent1">
+              <a:shade val="50000"/>
+            </a:schemeClr>
+          </a:lnRef>
+          <a:fillRef idx="1">
+            <a:schemeClr val="accent1"/>
+          </a:fillRef>
+          <a:effectRef idx="0">
+            <a:schemeClr val="accent1"/>
+          </a:effectRef>
+          <a:fontRef idx="minor">
+            <a:schemeClr val="lt1"/>
+          </a:fontRef>
+        </p:style>
+        <p:txBody>
+          <a:bodyPr rtlCol="0" anchor="ctr"/>
+          <a:lstStyle/>
+          <a:p>
+            <a:pPr algn="ctr"/>
+            <a:r>
+              <a:rPr kumimoji="1" lang="ja-JP" altLang="en-US" dirty="0"/>
+              <a:t>ドメイン・コンテキスト</a:t>
+            </a:r>
+            <a:endParaRPr kumimoji="1" lang="en-US" altLang="ja-JP" dirty="0"/>
+          </a:p>
+          <a:p>
+            <a:pPr algn="ctr"/>
+            <a:r>
+              <a:rPr kumimoji="1" lang="ja-JP" altLang="en-US" dirty="0"/>
+              <a:t>ビュー</a:t>
+            </a:r>
+          </a:p>
+        </p:txBody>
+      </p:sp>
+    </p:spTree>
+    <p:extLst>
+      <p:ext uri="{BB962C8B-B14F-4D97-AF65-F5344CB8AC3E}">
+        <p14:creationId xmlns:p14="http://schemas.microsoft.com/office/powerpoint/2010/main" val="331186883"/>
       </p:ext>
     </p:extLst>
   </p:cSld>
